--- a/0426_industry.pptx
+++ b/0426_industry.pptx
@@ -780,17 +780,7 @@
   <c:chart>
     <c:autoTitleDeleted val="1"/>
     <c:plotArea>
-      <c:layout>
-        <c:manualLayout>
-          <c:layoutTarget val="inner"/>
-          <c:xMode val="edge"/>
-          <c:yMode val="edge"/>
-          <c:x val="9.9236948032651318E-2"/>
-          <c:y val="1.3395263280208165E-2"/>
-          <c:w val="0.88602588361561285"/>
-          <c:h val="0.61020188173564649"/>
-        </c:manualLayout>
-      </c:layout>
+      <c:layout/>
       <c:barChart>
         <c:barDir val="col"/>
         <c:grouping val="stacked"/>
@@ -927,104 +917,104 @@
                 <c:formatCode>General</c:formatCode>
                 <c:ptCount val="31"/>
                 <c:pt idx="0">
-                  <c:v>2015920000</c:v>
+                  <c:v>4543000</c:v>
                 </c:pt>
                 <c:pt idx="1">
-                  <c:v>498581000</c:v>
+                  <c:v>48998000</c:v>
                 </c:pt>
                 <c:pt idx="2">
-                  <c:v>1969262000</c:v>
+                  <c:v>1048215000</c:v>
                 </c:pt>
                 <c:pt idx="3">
-                  <c:v>1381125000</c:v>
+                  <c:v>71816000</c:v>
                 </c:pt>
                 <c:pt idx="4">
-                  <c:v>245947000</c:v>
+                  <c:v>6128000</c:v>
                 </c:pt>
                 <c:pt idx="5">
-                  <c:v>1532069550</c:v>
+                  <c:v>79443155</c:v>
                 </c:pt>
                 <c:pt idx="6">
-                  <c:v>99716000</c:v>
+                  <c:v>0</c:v>
                 </c:pt>
                 <c:pt idx="7">
-                  <c:v>886962000</c:v>
+                  <c:v>23347000</c:v>
                 </c:pt>
                 <c:pt idx="8">
-                  <c:v>5433667000</c:v>
+                  <c:v>101109000</c:v>
                 </c:pt>
                 <c:pt idx="9">
-                  <c:v>471484000</c:v>
+                  <c:v>0</c:v>
                 </c:pt>
                 <c:pt idx="10">
-                  <c:v>1537547273</c:v>
+                  <c:v>0</c:v>
                 </c:pt>
                 <c:pt idx="11">
-                  <c:v>1930342940</c:v>
+                  <c:v>0</c:v>
                 </c:pt>
                 <c:pt idx="12">
-                  <c:v>66318169</c:v>
+                  <c:v>0</c:v>
                 </c:pt>
                 <c:pt idx="13">
-                  <c:v>289128000</c:v>
+                  <c:v>59656000</c:v>
                 </c:pt>
                 <c:pt idx="14">
-                  <c:v>200131000</c:v>
+                  <c:v>159313000</c:v>
                 </c:pt>
                 <c:pt idx="15">
-                  <c:v>175063000</c:v>
+                  <c:v>47293000</c:v>
                 </c:pt>
                 <c:pt idx="16">
-                  <c:v>48994000</c:v>
+                  <c:v>0</c:v>
                 </c:pt>
                 <c:pt idx="17">
-                  <c:v>423989000</c:v>
+                  <c:v>11931000</c:v>
                 </c:pt>
                 <c:pt idx="18">
-                  <c:v>981862837</c:v>
+                  <c:v>212339718</c:v>
                 </c:pt>
                 <c:pt idx="19">
-                  <c:v>72775412</c:v>
+                  <c:v>711715</c:v>
                 </c:pt>
                 <c:pt idx="20">
-                  <c:v>11631000</c:v>
+                  <c:v>0</c:v>
                 </c:pt>
                 <c:pt idx="21">
-                  <c:v>56619596</c:v>
+                  <c:v>37367089</c:v>
                 </c:pt>
                 <c:pt idx="22">
-                  <c:v>82216224</c:v>
+                  <c:v>398043</c:v>
                 </c:pt>
                 <c:pt idx="23">
-                  <c:v>46849371</c:v>
+                  <c:v>5491359</c:v>
                 </c:pt>
                 <c:pt idx="24">
-                  <c:v>28586278</c:v>
+                  <c:v>0</c:v>
                 </c:pt>
                 <c:pt idx="25">
                   <c:v>0</c:v>
                 </c:pt>
                 <c:pt idx="26">
-                  <c:v>96131000</c:v>
+                  <c:v>48858000</c:v>
                 </c:pt>
                 <c:pt idx="27">
-                  <c:v>8430692</c:v>
+                  <c:v>0</c:v>
                 </c:pt>
                 <c:pt idx="28">
                   <c:v>0</c:v>
                 </c:pt>
                 <c:pt idx="29">
-                  <c:v>302000</c:v>
+                  <c:v>0</c:v>
                 </c:pt>
                 <c:pt idx="30">
-                  <c:v>14740358</c:v>
+                  <c:v>0</c:v>
                 </c:pt>
               </c:numCache>
             </c:numRef>
           </c:val>
           <c:extLst>
             <c:ext xmlns:c16="http://schemas.microsoft.com/office/drawing/2014/chart" uri="{C3380CC4-5D6E-409C-BE32-E72D297353CC}">
-              <c16:uniqueId val="{00000000-8E4B-44FF-82EF-978E8DD21ED0}"/>
+              <c16:uniqueId val="{00000000-ECCE-4E07-BDF4-58AAF996F6BA}"/>
             </c:ext>
           </c:extLst>
         </c:ser>
@@ -1160,104 +1150,104 @@
                 <c:formatCode>General</c:formatCode>
                 <c:ptCount val="31"/>
                 <c:pt idx="0">
-                  <c:v>9356671000</c:v>
+                  <c:v>12128420000</c:v>
                 </c:pt>
                 <c:pt idx="1">
-                  <c:v>2565730000</c:v>
+                  <c:v>3332183000</c:v>
                 </c:pt>
                 <c:pt idx="2">
-                  <c:v>16584092000</c:v>
+                  <c:v>24516058000</c:v>
                 </c:pt>
                 <c:pt idx="3">
-                  <c:v>30266035000</c:v>
+                  <c:v>35582316000</c:v>
                 </c:pt>
                 <c:pt idx="4">
-                  <c:v>770080000</c:v>
+                  <c:v>663823000</c:v>
                 </c:pt>
                 <c:pt idx="5">
-                  <c:v>2423434756</c:v>
+                  <c:v>1836656778</c:v>
                 </c:pt>
                 <c:pt idx="6">
-                  <c:v>1150008000</c:v>
+                  <c:v>1263449000</c:v>
                 </c:pt>
                 <c:pt idx="7">
-                  <c:v>4570237000</c:v>
+                  <c:v>4858757000</c:v>
                 </c:pt>
                 <c:pt idx="8">
-                  <c:v>14989305000</c:v>
+                  <c:v>18497143000</c:v>
                 </c:pt>
                 <c:pt idx="9">
-                  <c:v>4782880000</c:v>
+                  <c:v>5356484000</c:v>
                 </c:pt>
                 <c:pt idx="10">
                   <c:v>0</c:v>
                 </c:pt>
                 <c:pt idx="11">
-                  <c:v>877060604</c:v>
+                  <c:v>481799594</c:v>
                 </c:pt>
                 <c:pt idx="12">
-                  <c:v>1122357477</c:v>
+                  <c:v>1529911578</c:v>
                 </c:pt>
                 <c:pt idx="13">
-                  <c:v>1679359000</c:v>
+                  <c:v>1540291000</c:v>
                 </c:pt>
                 <c:pt idx="14">
-                  <c:v>2083288000</c:v>
+                  <c:v>2256667000</c:v>
                 </c:pt>
                 <c:pt idx="15">
-                  <c:v>494361000</c:v>
+                  <c:v>555438000</c:v>
                 </c:pt>
                 <c:pt idx="16">
-                  <c:v>62753000</c:v>
+                  <c:v>65315000</c:v>
                 </c:pt>
                 <c:pt idx="17">
-                  <c:v>775372000</c:v>
+                  <c:v>917370000</c:v>
                 </c:pt>
                 <c:pt idx="18">
-                  <c:v>8156052839</c:v>
+                  <c:v>9284730519</c:v>
                 </c:pt>
                 <c:pt idx="19">
-                  <c:v>3158506454</c:v>
+                  <c:v>3796902640</c:v>
                 </c:pt>
                 <c:pt idx="20">
-                  <c:v>916314000</c:v>
+                  <c:v>1132802000</c:v>
                 </c:pt>
                 <c:pt idx="21">
-                  <c:v>1165915179</c:v>
+                  <c:v>2455111177</c:v>
                 </c:pt>
                 <c:pt idx="22">
-                  <c:v>2138871773</c:v>
+                  <c:v>2401368187</c:v>
                 </c:pt>
                 <c:pt idx="23">
-                  <c:v>884645670</c:v>
+                  <c:v>963560179</c:v>
                 </c:pt>
                 <c:pt idx="24">
-                  <c:v>218248034</c:v>
+                  <c:v>237028025</c:v>
                 </c:pt>
                 <c:pt idx="25">
-                  <c:v>146870000</c:v>
+                  <c:v>227402000</c:v>
                 </c:pt>
                 <c:pt idx="26">
-                  <c:v>888231000</c:v>
+                  <c:v>1107547000</c:v>
                 </c:pt>
                 <c:pt idx="27">
-                  <c:v>392998880</c:v>
+                  <c:v>608701678</c:v>
                 </c:pt>
                 <c:pt idx="28">
-                  <c:v>16636447</c:v>
+                  <c:v>26803653</c:v>
                 </c:pt>
                 <c:pt idx="29">
-                  <c:v>4724000</c:v>
+                  <c:v>5020000</c:v>
                 </c:pt>
                 <c:pt idx="30">
-                  <c:v>852133733</c:v>
+                  <c:v>848218339</c:v>
                 </c:pt>
               </c:numCache>
             </c:numRef>
           </c:val>
           <c:extLst>
             <c:ext xmlns:c16="http://schemas.microsoft.com/office/drawing/2014/chart" uri="{C3380CC4-5D6E-409C-BE32-E72D297353CC}">
-              <c16:uniqueId val="{00000001-8E4B-44FF-82EF-978E8DD21ED0}"/>
+              <c16:uniqueId val="{00000001-ECCE-4E07-BDF4-58AAF996F6BA}"/>
             </c:ext>
           </c:extLst>
         </c:ser>
@@ -1393,104 +1383,104 @@
                 <c:formatCode>General</c:formatCode>
                 <c:ptCount val="31"/>
                 <c:pt idx="0">
-                  <c:v>19662245000</c:v>
+                  <c:v>29796146000</c:v>
                 </c:pt>
                 <c:pt idx="1">
-                  <c:v>2009922000</c:v>
+                  <c:v>4494064000</c:v>
                 </c:pt>
                 <c:pt idx="2">
-                  <c:v>25765576000</c:v>
+                  <c:v>42433467000</c:v>
                 </c:pt>
                 <c:pt idx="3">
-                  <c:v>23559768000</c:v>
+                  <c:v>41192169000</c:v>
                 </c:pt>
                 <c:pt idx="4">
-                  <c:v>367087000</c:v>
+                  <c:v>2949360000</c:v>
                 </c:pt>
                 <c:pt idx="5">
-                  <c:v>2163964488</c:v>
+                  <c:v>4515948273</c:v>
                 </c:pt>
                 <c:pt idx="6">
-                  <c:v>1624383000</c:v>
+                  <c:v>1986610000</c:v>
                 </c:pt>
                 <c:pt idx="7">
-                  <c:v>2041742000</c:v>
+                  <c:v>3005391000</c:v>
                 </c:pt>
                 <c:pt idx="8">
-                  <c:v>16860069000</c:v>
+                  <c:v>26910350000</c:v>
                 </c:pt>
                 <c:pt idx="9">
-                  <c:v>4505346000</c:v>
+                  <c:v>7214797000</c:v>
                 </c:pt>
                 <c:pt idx="10">
-                  <c:v>206544773</c:v>
+                  <c:v>216362764</c:v>
                 </c:pt>
                 <c:pt idx="11">
-                  <c:v>811205447</c:v>
+                  <c:v>893465705</c:v>
                 </c:pt>
                 <c:pt idx="12">
-                  <c:v>1650682737</c:v>
+                  <c:v>2186712026</c:v>
                 </c:pt>
                 <c:pt idx="13">
-                  <c:v>7631925000</c:v>
+                  <c:v>9763452000</c:v>
                 </c:pt>
                 <c:pt idx="14">
-                  <c:v>1380615000</c:v>
+                  <c:v>2956642000</c:v>
                 </c:pt>
                 <c:pt idx="15">
-                  <c:v>361089000</c:v>
+                  <c:v>511047000</c:v>
                 </c:pt>
                 <c:pt idx="16">
-                  <c:v>62829000</c:v>
+                  <c:v>75520000</c:v>
                 </c:pt>
                 <c:pt idx="17">
-                  <c:v>497541000</c:v>
+                  <c:v>2164474000</c:v>
                 </c:pt>
                 <c:pt idx="18">
-                  <c:v>6133067150</c:v>
+                  <c:v>9788241962</c:v>
                 </c:pt>
                 <c:pt idx="19">
-                  <c:v>1879953760</c:v>
+                  <c:v>3640569487</c:v>
                 </c:pt>
                 <c:pt idx="20">
-                  <c:v>71025000</c:v>
+                  <c:v>582258000</c:v>
                 </c:pt>
                 <c:pt idx="21">
-                  <c:v>1562678604</c:v>
+                  <c:v>2390097201</c:v>
                 </c:pt>
                 <c:pt idx="22">
-                  <c:v>1046578525</c:v>
+                  <c:v>1466238706</c:v>
                 </c:pt>
                 <c:pt idx="23">
-                  <c:v>1014538809</c:v>
+                  <c:v>1301372331</c:v>
                 </c:pt>
                 <c:pt idx="24">
-                  <c:v>10513447</c:v>
+                  <c:v>18085662</c:v>
                 </c:pt>
                 <c:pt idx="25">
-                  <c:v>96058000</c:v>
+                  <c:v>165616000</c:v>
                 </c:pt>
                 <c:pt idx="26">
-                  <c:v>444057000</c:v>
+                  <c:v>686026000</c:v>
                 </c:pt>
                 <c:pt idx="27">
-                  <c:v>174202255</c:v>
+                  <c:v>281436011</c:v>
                 </c:pt>
                 <c:pt idx="28">
-                  <c:v>36456114</c:v>
+                  <c:v>49910751</c:v>
                 </c:pt>
                 <c:pt idx="29">
-                  <c:v>347000</c:v>
+                  <c:v>417000</c:v>
                 </c:pt>
                 <c:pt idx="30">
-                  <c:v>809925156</c:v>
+                  <c:v>1001085869</c:v>
                 </c:pt>
               </c:numCache>
             </c:numRef>
           </c:val>
           <c:extLst>
             <c:ext xmlns:c16="http://schemas.microsoft.com/office/drawing/2014/chart" uri="{C3380CC4-5D6E-409C-BE32-E72D297353CC}">
-              <c16:uniqueId val="{00000002-8E4B-44FF-82EF-978E8DD21ED0}"/>
+              <c16:uniqueId val="{00000002-ECCE-4E07-BDF4-58AAF996F6BA}"/>
             </c:ext>
           </c:extLst>
         </c:ser>
@@ -1626,88 +1616,88 @@
                 <c:formatCode>General</c:formatCode>
                 <c:ptCount val="31"/>
                 <c:pt idx="0">
-                  <c:v>5013034000</c:v>
+                  <c:v>3921782000</c:v>
                 </c:pt>
                 <c:pt idx="1">
-                  <c:v>612211000</c:v>
+                  <c:v>0</c:v>
                 </c:pt>
                 <c:pt idx="2">
-                  <c:v>1593699000</c:v>
+                  <c:v>703738000</c:v>
                 </c:pt>
                 <c:pt idx="3">
-                  <c:v>5147618000</c:v>
+                  <c:v>1908680000</c:v>
                 </c:pt>
                 <c:pt idx="4">
-                  <c:v>501203000</c:v>
+                  <c:v>372565000</c:v>
                 </c:pt>
                 <c:pt idx="5">
-                  <c:v>780017983</c:v>
+                  <c:v>566181669</c:v>
                 </c:pt>
                 <c:pt idx="6">
-                  <c:v>34552000</c:v>
+                  <c:v>12692000</c:v>
                 </c:pt>
                 <c:pt idx="7">
-                  <c:v>163673000</c:v>
+                  <c:v>68190000</c:v>
                 </c:pt>
                 <c:pt idx="8">
-                  <c:v>1629470000</c:v>
+                  <c:v>340193000</c:v>
                 </c:pt>
                 <c:pt idx="9">
-                  <c:v>722592000</c:v>
+                  <c:v>420340000</c:v>
                 </c:pt>
                 <c:pt idx="10">
                   <c:v>0</c:v>
                 </c:pt>
                 <c:pt idx="11">
-                  <c:v>487170017</c:v>
+                  <c:v>0</c:v>
                 </c:pt>
                 <c:pt idx="12">
-                  <c:v>1746314946</c:v>
+                  <c:v>297007266</c:v>
                 </c:pt>
                 <c:pt idx="13">
-                  <c:v>1140302000</c:v>
+                  <c:v>777754000</c:v>
                 </c:pt>
                 <c:pt idx="14">
-                  <c:v>766375000</c:v>
+                  <c:v>705723000</c:v>
                 </c:pt>
                 <c:pt idx="15">
-                  <c:v>717448000</c:v>
+                  <c:v>275433000</c:v>
                 </c:pt>
                 <c:pt idx="16">
                   <c:v>65678000</c:v>
                 </c:pt>
                 <c:pt idx="17">
-                  <c:v>207626000</c:v>
+                  <c:v>61388000</c:v>
                 </c:pt>
                 <c:pt idx="18">
-                  <c:v>1210901586</c:v>
+                  <c:v>448523778</c:v>
                 </c:pt>
                 <c:pt idx="19">
-                  <c:v>526841527</c:v>
+                  <c:v>348285161</c:v>
                 </c:pt>
                 <c:pt idx="20">
-                  <c:v>174192000</c:v>
+                  <c:v>123478000</c:v>
                 </c:pt>
                 <c:pt idx="21">
-                  <c:v>284228485</c:v>
+                  <c:v>249834045</c:v>
                 </c:pt>
                 <c:pt idx="22">
-                  <c:v>182339540</c:v>
+                  <c:v>56035337</c:v>
                 </c:pt>
                 <c:pt idx="23">
-                  <c:v>165556805</c:v>
+                  <c:v>109173739</c:v>
                 </c:pt>
                 <c:pt idx="24">
-                  <c:v>9782004</c:v>
+                  <c:v>0</c:v>
                 </c:pt>
                 <c:pt idx="25">
                   <c:v>109708000</c:v>
                 </c:pt>
                 <c:pt idx="26">
-                  <c:v>110063000</c:v>
+                  <c:v>76283000</c:v>
                 </c:pt>
                 <c:pt idx="27">
-                  <c:v>56107125</c:v>
+                  <c:v>38911357</c:v>
                 </c:pt>
                 <c:pt idx="28">
                   <c:v>0</c:v>
@@ -1716,14 +1706,14 @@
                   <c:v>9244000</c:v>
                 </c:pt>
                 <c:pt idx="30">
-                  <c:v>44969634</c:v>
+                  <c:v>41853728</c:v>
                 </c:pt>
               </c:numCache>
             </c:numRef>
           </c:val>
           <c:extLst>
             <c:ext xmlns:c16="http://schemas.microsoft.com/office/drawing/2014/chart" uri="{C3380CC4-5D6E-409C-BE32-E72D297353CC}">
-              <c16:uniqueId val="{00000003-8E4B-44FF-82EF-978E8DD21ED0}"/>
+              <c16:uniqueId val="{00000003-ECCE-4E07-BDF4-58AAF996F6BA}"/>
             </c:ext>
           </c:extLst>
         </c:ser>
@@ -1859,104 +1849,104 @@
                 <c:formatCode>General</c:formatCode>
                 <c:ptCount val="31"/>
                 <c:pt idx="0">
-                  <c:v>97106585000</c:v>
+                  <c:v>176547254000</c:v>
                 </c:pt>
                 <c:pt idx="1">
-                  <c:v>19701652000</c:v>
-                </c:pt>
-                <c:pt idx="2" formatCode="0.00E+00">
-                  <c:v>130000000000</c:v>
+                  <c:v>41853799000</c:v>
+                </c:pt>
+                <c:pt idx="2">
+                  <c:v>228476055000</c:v>
                 </c:pt>
                 <c:pt idx="3">
-                  <c:v>92854627000</c:v>
+                  <c:v>181789129000</c:v>
                 </c:pt>
                 <c:pt idx="4">
-                  <c:v>8571203000</c:v>
+                  <c:v>15938211000</c:v>
                 </c:pt>
                 <c:pt idx="5">
-                  <c:v>14645789232</c:v>
+                  <c:v>23046729922</c:v>
                 </c:pt>
                 <c:pt idx="6">
-                  <c:v>4034476000</c:v>
+                  <c:v>8488371000</c:v>
                 </c:pt>
                 <c:pt idx="7">
-                  <c:v>9386962000</c:v>
-                </c:pt>
-                <c:pt idx="8" formatCode="0.00E+00">
-                  <c:v>109000000000</c:v>
+                  <c:v>19785110000</c:v>
+                </c:pt>
+                <c:pt idx="8">
+                  <c:v>181206026000</c:v>
                 </c:pt>
                 <c:pt idx="9">
-                  <c:v>18101100000</c:v>
+                  <c:v>38978551000</c:v>
                 </c:pt>
                 <c:pt idx="10">
-                  <c:v>547806142</c:v>
+                  <c:v>2075792167</c:v>
                 </c:pt>
                 <c:pt idx="11">
-                  <c:v>11300406571</c:v>
+                  <c:v>21710151603</c:v>
                 </c:pt>
                 <c:pt idx="12">
-                  <c:v>5246315732</c:v>
+                  <c:v>12103346519</c:v>
                 </c:pt>
                 <c:pt idx="13">
-                  <c:v>7669781000</c:v>
+                  <c:v>15514198000</c:v>
                 </c:pt>
                 <c:pt idx="14">
-                  <c:v>17737265000</c:v>
+                  <c:v>26087864000</c:v>
                 </c:pt>
                 <c:pt idx="15">
-                  <c:v>1683033000</c:v>
+                  <c:v>3149345000</c:v>
                 </c:pt>
                 <c:pt idx="16">
-                  <c:v>947453000</c:v>
+                  <c:v>1662598000</c:v>
                 </c:pt>
                 <c:pt idx="17">
-                  <c:v>3843176000</c:v>
+                  <c:v>6991843000</c:v>
                 </c:pt>
                 <c:pt idx="18">
-                  <c:v>41533898498</c:v>
+                  <c:v>71853118448</c:v>
                 </c:pt>
                 <c:pt idx="19">
-                  <c:v>11580299123</c:v>
+                  <c:v>24834588949</c:v>
                 </c:pt>
                 <c:pt idx="20">
-                  <c:v>2413372000</c:v>
+                  <c:v>7713322000</c:v>
                 </c:pt>
                 <c:pt idx="21">
-                  <c:v>9910912941</c:v>
+                  <c:v>16950249408</c:v>
                 </c:pt>
                 <c:pt idx="22">
-                  <c:v>11221058078</c:v>
+                  <c:v>16334824426</c:v>
                 </c:pt>
                 <c:pt idx="23">
-                  <c:v>3778010019</c:v>
+                  <c:v>5937140812</c:v>
                 </c:pt>
                 <c:pt idx="24">
-                  <c:v>390275515</c:v>
+                  <c:v>454081479</c:v>
                 </c:pt>
                 <c:pt idx="25">
-                  <c:v>851148000</c:v>
+                  <c:v>1393942000</c:v>
                 </c:pt>
                 <c:pt idx="26">
-                  <c:v>3803070000</c:v>
+                  <c:v>5723122000</c:v>
                 </c:pt>
                 <c:pt idx="27">
-                  <c:v>1039465088</c:v>
+                  <c:v>1918436674</c:v>
                 </c:pt>
                 <c:pt idx="28">
-                  <c:v>573917531</c:v>
+                  <c:v>766406700</c:v>
                 </c:pt>
                 <c:pt idx="29">
-                  <c:v>227477000</c:v>
+                  <c:v>320633000</c:v>
                 </c:pt>
                 <c:pt idx="30">
-                  <c:v>3262876132</c:v>
+                  <c:v>5766462149</c:v>
                 </c:pt>
               </c:numCache>
             </c:numRef>
           </c:val>
           <c:extLst>
             <c:ext xmlns:c16="http://schemas.microsoft.com/office/drawing/2014/chart" uri="{C3380CC4-5D6E-409C-BE32-E72D297353CC}">
-              <c16:uniqueId val="{00000004-8E4B-44FF-82EF-978E8DD21ED0}"/>
+              <c16:uniqueId val="{00000004-ECCE-4E07-BDF4-58AAF996F6BA}"/>
             </c:ext>
           </c:extLst>
         </c:ser>
@@ -2091,105 +2081,105 @@
               <c:numCache>
                 <c:formatCode>General</c:formatCode>
                 <c:ptCount val="31"/>
-                <c:pt idx="0" formatCode="0.00E+00">
-                  <c:v>115000000000</c:v>
+                <c:pt idx="0">
+                  <c:v>117479147000</c:v>
                 </c:pt>
                 <c:pt idx="1">
-                  <c:v>21893148000</c:v>
-                </c:pt>
-                <c:pt idx="2" formatCode="0.00E+00">
-                  <c:v>247000000000</c:v>
-                </c:pt>
-                <c:pt idx="3" formatCode="0.00E+00">
-                  <c:v>258000000000</c:v>
+                  <c:v>20897602000</c:v>
+                </c:pt>
+                <c:pt idx="2">
+                  <c:v>247960089000</c:v>
+                </c:pt>
+                <c:pt idx="3">
+                  <c:v>256819892000</c:v>
                 </c:pt>
                 <c:pt idx="4">
-                  <c:v>5303777000</c:v>
+                  <c:v>2788699000</c:v>
                 </c:pt>
                 <c:pt idx="5">
-                  <c:v>18554347125</c:v>
+                  <c:v>17818928853</c:v>
                 </c:pt>
                 <c:pt idx="6">
-                  <c:v>4582522000</c:v>
+                  <c:v>4539010000</c:v>
                 </c:pt>
                 <c:pt idx="7">
-                  <c:v>12367785000</c:v>
+                  <c:v>12379288000</c:v>
                 </c:pt>
                 <c:pt idx="8">
-                  <c:v>95004058000</c:v>
+                  <c:v>93674090000</c:v>
                 </c:pt>
                 <c:pt idx="9">
-                  <c:v>20473867000</c:v>
+                  <c:v>20670803000</c:v>
                 </c:pt>
                 <c:pt idx="10">
-                  <c:v>1931332482</c:v>
+                  <c:v>1931889895</c:v>
                 </c:pt>
                 <c:pt idx="11">
-                  <c:v>3850899620</c:v>
+                  <c:v>3869788354</c:v>
                 </c:pt>
                 <c:pt idx="12">
-                  <c:v>14455344373</c:v>
+                  <c:v>17091893403</c:v>
                 </c:pt>
                 <c:pt idx="13">
-                  <c:v>24869309000</c:v>
+                  <c:v>25877978000</c:v>
                 </c:pt>
                 <c:pt idx="14">
-                  <c:v>28997550000</c:v>
+                  <c:v>29201485000</c:v>
                 </c:pt>
                 <c:pt idx="15">
-                  <c:v>3028498000</c:v>
+                  <c:v>3047792000</c:v>
                 </c:pt>
                 <c:pt idx="16">
-                  <c:v>385695000</c:v>
+                  <c:v>380202000</c:v>
                 </c:pt>
                 <c:pt idx="17">
-                  <c:v>4594756000</c:v>
+                  <c:v>4174397000</c:v>
                 </c:pt>
                 <c:pt idx="18">
-                  <c:v>39902542936</c:v>
+                  <c:v>39338454428</c:v>
                 </c:pt>
                 <c:pt idx="19">
-                  <c:v>31916119028</c:v>
+                  <c:v>31401604740</c:v>
                 </c:pt>
                 <c:pt idx="20">
-                  <c:v>17717681000</c:v>
+                  <c:v>17352934000</c:v>
                 </c:pt>
                 <c:pt idx="21">
-                  <c:v>25491348435</c:v>
+                  <c:v>35426920917</c:v>
                 </c:pt>
                 <c:pt idx="22">
-                  <c:v>10437611133</c:v>
+                  <c:v>10606741057</c:v>
                 </c:pt>
                 <c:pt idx="23">
-                  <c:v>3998684934</c:v>
+                  <c:v>3920863584</c:v>
                 </c:pt>
                 <c:pt idx="24">
-                  <c:v>347546959</c:v>
+                  <c:v>339974744</c:v>
                 </c:pt>
                 <c:pt idx="25">
-                  <c:v>2738052000</c:v>
+                  <c:v>2748720000</c:v>
                 </c:pt>
                 <c:pt idx="26">
-                  <c:v>3188661000</c:v>
+                  <c:v>3303566000</c:v>
                 </c:pt>
                 <c:pt idx="27">
-                  <c:v>2388348688</c:v>
+                  <c:v>2599661530</c:v>
                 </c:pt>
                 <c:pt idx="28">
-                  <c:v>233479068</c:v>
+                  <c:v>223194023</c:v>
                 </c:pt>
                 <c:pt idx="29">
                   <c:v>124247000</c:v>
                 </c:pt>
                 <c:pt idx="30">
-                  <c:v>3988114755</c:v>
+                  <c:v>3943961180</c:v>
                 </c:pt>
               </c:numCache>
             </c:numRef>
           </c:val>
           <c:extLst>
             <c:ext xmlns:c16="http://schemas.microsoft.com/office/drawing/2014/chart" uri="{C3380CC4-5D6E-409C-BE32-E72D297353CC}">
-              <c16:uniqueId val="{00000005-8E4B-44FF-82EF-978E8DD21ED0}"/>
+              <c16:uniqueId val="{00000005-ECCE-4E07-BDF4-58AAF996F6BA}"/>
             </c:ext>
           </c:extLst>
         </c:ser>
@@ -2327,104 +2317,104 @@
                 <c:formatCode>General</c:formatCode>
                 <c:ptCount val="31"/>
                 <c:pt idx="0">
-                  <c:v>62181324000</c:v>
+                  <c:v>49778016000</c:v>
                 </c:pt>
                 <c:pt idx="1">
-                  <c:v>15530245000</c:v>
-                </c:pt>
-                <c:pt idx="2" formatCode="0.00E+00">
-                  <c:v>179000000000</c:v>
+                  <c:v>11653274000</c:v>
+                </c:pt>
+                <c:pt idx="2">
+                  <c:v>181719286000</c:v>
                 </c:pt>
                 <c:pt idx="3">
-                  <c:v>89703115000</c:v>
+                  <c:v>105753920000</c:v>
                 </c:pt>
                 <c:pt idx="4">
-                  <c:v>6129891000</c:v>
+                  <c:v>6118494000</c:v>
                 </c:pt>
                 <c:pt idx="5">
-                  <c:v>8983060842</c:v>
+                  <c:v>10381460364</c:v>
                 </c:pt>
                 <c:pt idx="6">
-                  <c:v>312035000</c:v>
+                  <c:v>455774000</c:v>
                 </c:pt>
                 <c:pt idx="7">
-                  <c:v>9738740000</c:v>
+                  <c:v>6015167000</c:v>
                 </c:pt>
                 <c:pt idx="8">
-                  <c:v>44824069000</c:v>
+                  <c:v>35436088000</c:v>
                 </c:pt>
                 <c:pt idx="9">
-                  <c:v>4389233000</c:v>
+                  <c:v>6342372000</c:v>
                 </c:pt>
                 <c:pt idx="10">
                   <c:v>0</c:v>
                 </c:pt>
                 <c:pt idx="11">
-                  <c:v>1464555003</c:v>
+                  <c:v>1504559029</c:v>
                 </c:pt>
                 <c:pt idx="12">
-                  <c:v>13310761584</c:v>
+                  <c:v>10396961269</c:v>
                 </c:pt>
                 <c:pt idx="13">
-                  <c:v>9569227000</c:v>
+                  <c:v>8143785000</c:v>
                 </c:pt>
                 <c:pt idx="14">
-                  <c:v>15407516000</c:v>
+                  <c:v>13677101000</c:v>
                 </c:pt>
                 <c:pt idx="15">
-                  <c:v>1156591000</c:v>
+                  <c:v>1529918000</c:v>
                 </c:pt>
                 <c:pt idx="16">
-                  <c:v>123812000</c:v>
+                  <c:v>119647000</c:v>
                 </c:pt>
                 <c:pt idx="17">
-                  <c:v>1424828000</c:v>
+                  <c:v>1682390000</c:v>
                 </c:pt>
                 <c:pt idx="18">
-                  <c:v>21702598412</c:v>
+                  <c:v>25101364591</c:v>
                 </c:pt>
                 <c:pt idx="19">
-                  <c:v>29651599401</c:v>
+                  <c:v>27280987966</c:v>
                 </c:pt>
                 <c:pt idx="20">
-                  <c:v>7086700000</c:v>
+                  <c:v>5002729000</c:v>
                 </c:pt>
                 <c:pt idx="21">
-                  <c:v>13813211596</c:v>
+                  <c:v>13040519114</c:v>
                 </c:pt>
                 <c:pt idx="22">
-                  <c:v>5144262230</c:v>
+                  <c:v>8537422522</c:v>
                 </c:pt>
                 <c:pt idx="23">
-                  <c:v>1164767354</c:v>
+                  <c:v>1919133852</c:v>
                 </c:pt>
                 <c:pt idx="24">
-                  <c:v>3442390</c:v>
+                  <c:v>6100984</c:v>
                 </c:pt>
                 <c:pt idx="25">
-                  <c:v>1068668000</c:v>
+                  <c:v>1395470000</c:v>
                 </c:pt>
                 <c:pt idx="26">
-                  <c:v>983394000</c:v>
+                  <c:v>1251951000</c:v>
                 </c:pt>
                 <c:pt idx="27">
-                  <c:v>312085914</c:v>
+                  <c:v>340629296</c:v>
                 </c:pt>
                 <c:pt idx="28">
-                  <c:v>11874130</c:v>
+                  <c:v>577082833</c:v>
                 </c:pt>
                 <c:pt idx="29">
                   <c:v>0</c:v>
                 </c:pt>
                 <c:pt idx="30">
-                  <c:v>1388542964</c:v>
+                  <c:v>3381043119</c:v>
                 </c:pt>
               </c:numCache>
             </c:numRef>
           </c:val>
           <c:extLst>
             <c:ext xmlns:c16="http://schemas.microsoft.com/office/drawing/2014/chart" uri="{C3380CC4-5D6E-409C-BE32-E72D297353CC}">
-              <c16:uniqueId val="{00000006-8E4B-44FF-82EF-978E8DD21ED0}"/>
+              <c16:uniqueId val="{00000006-ECCE-4E07-BDF4-58AAF996F6BA}"/>
             </c:ext>
           </c:extLst>
         </c:ser>
@@ -2562,34 +2552,34 @@
                 <c:formatCode>General</c:formatCode>
                 <c:ptCount val="31"/>
                 <c:pt idx="0">
-                  <c:v>366547000</c:v>
+                  <c:v>270826000</c:v>
                 </c:pt>
                 <c:pt idx="1">
-                  <c:v>178372000</c:v>
+                  <c:v>103761000</c:v>
                 </c:pt>
                 <c:pt idx="2">
-                  <c:v>1959731000</c:v>
+                  <c:v>138552000</c:v>
                 </c:pt>
                 <c:pt idx="3">
-                  <c:v>1823881000</c:v>
+                  <c:v>896358000</c:v>
                 </c:pt>
                 <c:pt idx="4">
                   <c:v>27759000</c:v>
                 </c:pt>
                 <c:pt idx="5">
-                  <c:v>132820197</c:v>
+                  <c:v>131763546</c:v>
                 </c:pt>
                 <c:pt idx="6">
-                  <c:v>27249000</c:v>
+                  <c:v>68257000</c:v>
                 </c:pt>
                 <c:pt idx="7">
-                  <c:v>28592000</c:v>
+                  <c:v>4002000</c:v>
                 </c:pt>
                 <c:pt idx="8">
-                  <c:v>414369000</c:v>
+                  <c:v>324787000</c:v>
                 </c:pt>
                 <c:pt idx="9">
-                  <c:v>202228000</c:v>
+                  <c:v>60493000</c:v>
                 </c:pt>
                 <c:pt idx="10">
                   <c:v>0</c:v>
@@ -2598,37 +2588,37 @@
                   <c:v>664808137</c:v>
                 </c:pt>
                 <c:pt idx="12">
-                  <c:v>174895024</c:v>
+                  <c:v>0</c:v>
                 </c:pt>
                 <c:pt idx="13">
-                  <c:v>21917000</c:v>
+                  <c:v>73297000</c:v>
                 </c:pt>
                 <c:pt idx="14">
-                  <c:v>23405000</c:v>
+                  <c:v>97161000</c:v>
                 </c:pt>
                 <c:pt idx="15">
-                  <c:v>58245000</c:v>
+                  <c:v>56227000</c:v>
                 </c:pt>
                 <c:pt idx="16">
                   <c:v>0</c:v>
                 </c:pt>
                 <c:pt idx="17">
-                  <c:v>7839000</c:v>
+                  <c:v>7088000</c:v>
                 </c:pt>
                 <c:pt idx="18">
-                  <c:v>119970937</c:v>
+                  <c:v>112977102</c:v>
                 </c:pt>
                 <c:pt idx="19">
-                  <c:v>55817114</c:v>
+                  <c:v>35669346</c:v>
                 </c:pt>
                 <c:pt idx="20">
-                  <c:v>8511000</c:v>
+                  <c:v>11846000</c:v>
                 </c:pt>
                 <c:pt idx="21">
-                  <c:v>25808461</c:v>
+                  <c:v>0</c:v>
                 </c:pt>
                 <c:pt idx="22">
-                  <c:v>495261487</c:v>
+                  <c:v>441830917</c:v>
                 </c:pt>
                 <c:pt idx="23">
                   <c:v>0</c:v>
@@ -2637,16 +2627,16 @@
                   <c:v>0</c:v>
                 </c:pt>
                 <c:pt idx="25">
-                  <c:v>13456000</c:v>
+                  <c:v>0</c:v>
                 </c:pt>
                 <c:pt idx="26">
-                  <c:v>103397000</c:v>
+                  <c:v>2446000</c:v>
                 </c:pt>
                 <c:pt idx="27">
-                  <c:v>13410164</c:v>
+                  <c:v>409034</c:v>
                 </c:pt>
                 <c:pt idx="28">
-                  <c:v>0</c:v>
+                  <c:v>1574091</c:v>
                 </c:pt>
                 <c:pt idx="29">
                   <c:v>0</c:v>
@@ -2659,7 +2649,7 @@
           </c:val>
           <c:extLst>
             <c:ext xmlns:c16="http://schemas.microsoft.com/office/drawing/2014/chart" uri="{C3380CC4-5D6E-409C-BE32-E72D297353CC}">
-              <c16:uniqueId val="{00000007-8E4B-44FF-82EF-978E8DD21ED0}"/>
+              <c16:uniqueId val="{00000007-ECCE-4E07-BDF4-58AAF996F6BA}"/>
             </c:ext>
           </c:extLst>
         </c:ser>
@@ -2797,104 +2787,104 @@
                 <c:formatCode>General</c:formatCode>
                 <c:ptCount val="31"/>
                 <c:pt idx="0">
-                  <c:v>26795760000</c:v>
+                  <c:v>19388844000</c:v>
                 </c:pt>
                 <c:pt idx="1">
-                  <c:v>5228766000</c:v>
+                  <c:v>4229607000</c:v>
                 </c:pt>
                 <c:pt idx="2">
-                  <c:v>54605901000</c:v>
+                  <c:v>39607680000</c:v>
                 </c:pt>
                 <c:pt idx="3">
-                  <c:v>46223118000</c:v>
+                  <c:v>29220700000</c:v>
                 </c:pt>
                 <c:pt idx="4">
-                  <c:v>839197000</c:v>
+                  <c:v>550148000</c:v>
                 </c:pt>
                 <c:pt idx="5">
-                  <c:v>2835744404</c:v>
+                  <c:v>1748088687</c:v>
                 </c:pt>
                 <c:pt idx="6">
-                  <c:v>825763000</c:v>
+                  <c:v>661862000</c:v>
                 </c:pt>
                 <c:pt idx="7">
-                  <c:v>3870705000</c:v>
+                  <c:v>3592079000</c:v>
                 </c:pt>
                 <c:pt idx="8">
-                  <c:v>26249407000</c:v>
+                  <c:v>16774772000</c:v>
                 </c:pt>
                 <c:pt idx="9">
-                  <c:v>7008346000</c:v>
+                  <c:v>5008176000</c:v>
                 </c:pt>
                 <c:pt idx="10">
                   <c:v>0</c:v>
                 </c:pt>
                 <c:pt idx="11">
-                  <c:v>630335849</c:v>
+                  <c:v>470195890</c:v>
                 </c:pt>
                 <c:pt idx="12">
-                  <c:v>2558085516</c:v>
+                  <c:v>2339458220</c:v>
                 </c:pt>
                 <c:pt idx="13">
-                  <c:v>2298910000</c:v>
+                  <c:v>1516177000</c:v>
                 </c:pt>
                 <c:pt idx="14">
-                  <c:v>5485827000</c:v>
+                  <c:v>4054035000</c:v>
                 </c:pt>
                 <c:pt idx="15">
-                  <c:v>487890000</c:v>
+                  <c:v>396289000</c:v>
                 </c:pt>
                 <c:pt idx="16">
-                  <c:v>60720000</c:v>
+                  <c:v>52353000</c:v>
                 </c:pt>
                 <c:pt idx="17">
-                  <c:v>1403740000</c:v>
+                  <c:v>910112000</c:v>
                 </c:pt>
                 <c:pt idx="18">
-                  <c:v>16726650815</c:v>
+                  <c:v>11518360634</c:v>
                 </c:pt>
                 <c:pt idx="19">
-                  <c:v>8873396808</c:v>
+                  <c:v>5132270537</c:v>
                 </c:pt>
                 <c:pt idx="20">
-                  <c:v>2373303000</c:v>
+                  <c:v>1844915000</c:v>
                 </c:pt>
                 <c:pt idx="21">
-                  <c:v>3439724770</c:v>
+                  <c:v>2041096355</c:v>
                 </c:pt>
                 <c:pt idx="22">
-                  <c:v>2711577822</c:v>
+                  <c:v>2343863790</c:v>
                 </c:pt>
                 <c:pt idx="23">
-                  <c:v>926614683</c:v>
+                  <c:v>604949890</c:v>
                 </c:pt>
                 <c:pt idx="24">
-                  <c:v>21419725</c:v>
+                  <c:v>18321315</c:v>
                 </c:pt>
                 <c:pt idx="25">
-                  <c:v>599702000</c:v>
+                  <c:v>266170000</c:v>
                 </c:pt>
                 <c:pt idx="26">
-                  <c:v>1100518000</c:v>
+                  <c:v>1016743000</c:v>
                 </c:pt>
                 <c:pt idx="27">
-                  <c:v>553465792</c:v>
+                  <c:v>506299117</c:v>
                 </c:pt>
                 <c:pt idx="28">
-                  <c:v>52575169</c:v>
+                  <c:v>46550659</c:v>
                 </c:pt>
                 <c:pt idx="29">
                   <c:v>4571000</c:v>
                 </c:pt>
                 <c:pt idx="30">
-                  <c:v>1045489685</c:v>
+                  <c:v>1054292521</c:v>
                 </c:pt>
               </c:numCache>
             </c:numRef>
           </c:val>
           <c:extLst>
             <c:ext xmlns:c16="http://schemas.microsoft.com/office/drawing/2014/chart" uri="{C3380CC4-5D6E-409C-BE32-E72D297353CC}">
-              <c16:uniqueId val="{00000008-8E4B-44FF-82EF-978E8DD21ED0}"/>
+              <c16:uniqueId val="{00000008-ECCE-4E07-BDF4-58AAF996F6BA}"/>
             </c:ext>
           </c:extLst>
         </c:ser>
@@ -3032,104 +3022,104 @@
                 <c:formatCode>General</c:formatCode>
                 <c:ptCount val="31"/>
                 <c:pt idx="0">
-                  <c:v>4907018000</c:v>
+                  <c:v>358305000</c:v>
                 </c:pt>
                 <c:pt idx="1">
-                  <c:v>1324107000</c:v>
+                  <c:v>180225000</c:v>
                 </c:pt>
                 <c:pt idx="2">
-                  <c:v>8009663000</c:v>
+                  <c:v>1820157000</c:v>
                 </c:pt>
                 <c:pt idx="3">
-                  <c:v>5825441000</c:v>
+                  <c:v>1728614000</c:v>
                 </c:pt>
                 <c:pt idx="4">
-                  <c:v>488037000</c:v>
+                  <c:v>83803000</c:v>
                 </c:pt>
                 <c:pt idx="5">
-                  <c:v>43964890</c:v>
+                  <c:v>19710370</c:v>
                 </c:pt>
                 <c:pt idx="6">
-                  <c:v>242939000</c:v>
+                  <c:v>55916000</c:v>
                 </c:pt>
                 <c:pt idx="7">
-                  <c:v>636513000</c:v>
+                  <c:v>186989000</c:v>
                 </c:pt>
                 <c:pt idx="8">
-                  <c:v>2176461000</c:v>
+                  <c:v>966269000</c:v>
                 </c:pt>
                 <c:pt idx="9">
-                  <c:v>876232000</c:v>
+                  <c:v>148943000</c:v>
                 </c:pt>
                 <c:pt idx="10">
                   <c:v>0</c:v>
                 </c:pt>
                 <c:pt idx="11">
-                  <c:v>58889959</c:v>
+                  <c:v>541016</c:v>
                 </c:pt>
                 <c:pt idx="12">
-                  <c:v>112229849</c:v>
+                  <c:v>68088737</c:v>
                 </c:pt>
                 <c:pt idx="13">
-                  <c:v>474850000</c:v>
+                  <c:v>57905000</c:v>
                 </c:pt>
                 <c:pt idx="14">
-                  <c:v>1025826000</c:v>
+                  <c:v>95474000</c:v>
                 </c:pt>
                 <c:pt idx="15">
-                  <c:v>91536000</c:v>
+                  <c:v>48273000</c:v>
                 </c:pt>
                 <c:pt idx="16">
-                  <c:v>152613000</c:v>
+                  <c:v>114005000</c:v>
                 </c:pt>
                 <c:pt idx="17">
-                  <c:v>165593000</c:v>
+                  <c:v>73418000</c:v>
                 </c:pt>
                 <c:pt idx="18">
-                  <c:v>1518876266</c:v>
+                  <c:v>1034065831</c:v>
                 </c:pt>
                 <c:pt idx="19">
-                  <c:v>716020413</c:v>
+                  <c:v>273170929</c:v>
                 </c:pt>
                 <c:pt idx="20">
-                  <c:v>202062000</c:v>
+                  <c:v>121168000</c:v>
                 </c:pt>
                 <c:pt idx="21">
-                  <c:v>493410579</c:v>
+                  <c:v>141741448</c:v>
                 </c:pt>
                 <c:pt idx="22">
-                  <c:v>548339499</c:v>
+                  <c:v>81536782</c:v>
                 </c:pt>
                 <c:pt idx="23">
-                  <c:v>331206667</c:v>
+                  <c:v>65740362</c:v>
                 </c:pt>
                 <c:pt idx="24">
                   <c:v>9729476</c:v>
                 </c:pt>
                 <c:pt idx="25">
-                  <c:v>231295000</c:v>
+                  <c:v>95300000</c:v>
                 </c:pt>
                 <c:pt idx="26">
-                  <c:v>824016000</c:v>
+                  <c:v>76976000</c:v>
                 </c:pt>
                 <c:pt idx="27">
-                  <c:v>54261364</c:v>
+                  <c:v>33060645</c:v>
                 </c:pt>
                 <c:pt idx="28">
-                  <c:v>23872532</c:v>
+                  <c:v>931956</c:v>
                 </c:pt>
                 <c:pt idx="29">
-                  <c:v>2965000</c:v>
+                  <c:v>2159000</c:v>
                 </c:pt>
                 <c:pt idx="30">
-                  <c:v>161917685</c:v>
+                  <c:v>46560643</c:v>
                 </c:pt>
               </c:numCache>
             </c:numRef>
           </c:val>
           <c:extLst>
             <c:ext xmlns:c16="http://schemas.microsoft.com/office/drawing/2014/chart" uri="{C3380CC4-5D6E-409C-BE32-E72D297353CC}">
-              <c16:uniqueId val="{00000009-8E4B-44FF-82EF-978E8DD21ED0}"/>
+              <c16:uniqueId val="{00000009-ECCE-4E07-BDF4-58AAF996F6BA}"/>
             </c:ext>
           </c:extLst>
         </c:ser>
@@ -3267,31 +3257,31 @@
                 <c:formatCode>General</c:formatCode>
                 <c:ptCount val="31"/>
                 <c:pt idx="0">
-                  <c:v>12832385000</c:v>
+                  <c:v>12785846000</c:v>
                 </c:pt>
                 <c:pt idx="1">
                   <c:v>2165219000</c:v>
                 </c:pt>
                 <c:pt idx="2">
-                  <c:v>17836465000</c:v>
+                  <c:v>17510144000</c:v>
                 </c:pt>
                 <c:pt idx="3">
-                  <c:v>24118346000</c:v>
+                  <c:v>23886651000</c:v>
                 </c:pt>
                 <c:pt idx="4">
                   <c:v>290400000</c:v>
                 </c:pt>
                 <c:pt idx="5">
-                  <c:v>1225105960</c:v>
+                  <c:v>1225078312</c:v>
                 </c:pt>
                 <c:pt idx="6">
                   <c:v>1066998000</c:v>
                 </c:pt>
                 <c:pt idx="7">
-                  <c:v>2712118000</c:v>
+                  <c:v>2711591000</c:v>
                 </c:pt>
                 <c:pt idx="8">
-                  <c:v>12527014000</c:v>
+                  <c:v>12599144000</c:v>
                 </c:pt>
                 <c:pt idx="9">
                   <c:v>2690670000</c:v>
@@ -3303,25 +3293,25 @@
                   <c:v>285616466</c:v>
                 </c:pt>
                 <c:pt idx="12">
-                  <c:v>4931766821</c:v>
+                  <c:v>4928640972</c:v>
                 </c:pt>
                 <c:pt idx="13">
-                  <c:v>7223018000</c:v>
+                  <c:v>7238792000</c:v>
                 </c:pt>
                 <c:pt idx="14">
-                  <c:v>2173426000</c:v>
+                  <c:v>2135538000</c:v>
                 </c:pt>
                 <c:pt idx="15">
-                  <c:v>199955000</c:v>
+                  <c:v>200326000</c:v>
                 </c:pt>
                 <c:pt idx="16">
                   <c:v>92855000</c:v>
                 </c:pt>
                 <c:pt idx="17">
-                  <c:v>697863000</c:v>
+                  <c:v>695211000</c:v>
                 </c:pt>
                 <c:pt idx="18">
-                  <c:v>5686751208</c:v>
+                  <c:v>5650389253</c:v>
                 </c:pt>
                 <c:pt idx="19">
                   <c:v>3091540366</c:v>
@@ -3333,10 +3323,10 @@
                   <c:v>623092318</c:v>
                 </c:pt>
                 <c:pt idx="22">
-                  <c:v>787443143</c:v>
+                  <c:v>785588978</c:v>
                 </c:pt>
                 <c:pt idx="23">
-                  <c:v>583526433</c:v>
+                  <c:v>562553430</c:v>
                 </c:pt>
                 <c:pt idx="24">
                   <c:v>70120644</c:v>
@@ -3345,10 +3335,10 @@
                   <c:v>312289000</c:v>
                 </c:pt>
                 <c:pt idx="26">
-                  <c:v>669644000</c:v>
+                  <c:v>669524000</c:v>
                 </c:pt>
                 <c:pt idx="27">
-                  <c:v>223943800</c:v>
+                  <c:v>224118151</c:v>
                 </c:pt>
                 <c:pt idx="28">
                   <c:v>48602650</c:v>
@@ -3364,7 +3354,7 @@
           </c:val>
           <c:extLst>
             <c:ext xmlns:c16="http://schemas.microsoft.com/office/drawing/2014/chart" uri="{C3380CC4-5D6E-409C-BE32-E72D297353CC}">
-              <c16:uniqueId val="{0000000A-8E4B-44FF-82EF-978E8DD21ED0}"/>
+              <c16:uniqueId val="{0000000A-ECCE-4E07-BDF4-58AAF996F6BA}"/>
             </c:ext>
           </c:extLst>
         </c:ser>
@@ -3502,104 +3492,104 @@
                 <c:formatCode>General</c:formatCode>
                 <c:ptCount val="31"/>
                 <c:pt idx="0">
-                  <c:v>1521725000</c:v>
+                  <c:v>1866349000</c:v>
                 </c:pt>
                 <c:pt idx="1">
-                  <c:v>237909000</c:v>
+                  <c:v>680238000</c:v>
                 </c:pt>
                 <c:pt idx="2">
-                  <c:v>3016911000</c:v>
+                  <c:v>1679993000</c:v>
                 </c:pt>
                 <c:pt idx="3">
-                  <c:v>13141934000</c:v>
+                  <c:v>12986536000</c:v>
                 </c:pt>
                 <c:pt idx="4">
-                  <c:v>143435000</c:v>
+                  <c:v>314998000</c:v>
                 </c:pt>
                 <c:pt idx="5">
-                  <c:v>429642727</c:v>
+                  <c:v>409206674</c:v>
                 </c:pt>
                 <c:pt idx="6">
-                  <c:v>171720000</c:v>
+                  <c:v>226570000</c:v>
                 </c:pt>
                 <c:pt idx="7">
-                  <c:v>1524349000</c:v>
+                  <c:v>1690401000</c:v>
                 </c:pt>
                 <c:pt idx="8">
-                  <c:v>2352669000</c:v>
+                  <c:v>4517581000</c:v>
                 </c:pt>
                 <c:pt idx="9">
-                  <c:v>414332000</c:v>
+                  <c:v>634565000</c:v>
                 </c:pt>
                 <c:pt idx="10">
                   <c:v>0</c:v>
                 </c:pt>
                 <c:pt idx="11">
-                  <c:v>0</c:v>
+                  <c:v>403753852</c:v>
                 </c:pt>
                 <c:pt idx="12">
-                  <c:v>74321968</c:v>
+                  <c:v>1506888612</c:v>
                 </c:pt>
                 <c:pt idx="13">
-                  <c:v>187645000</c:v>
+                  <c:v>481286000</c:v>
                 </c:pt>
                 <c:pt idx="14">
-                  <c:v>903385000</c:v>
+                  <c:v>997196000</c:v>
                 </c:pt>
                 <c:pt idx="15">
-                  <c:v>86210000</c:v>
+                  <c:v>553854000</c:v>
                 </c:pt>
                 <c:pt idx="16">
-                  <c:v>0</c:v>
+                  <c:v>14344000</c:v>
                 </c:pt>
                 <c:pt idx="17">
-                  <c:v>253081000</c:v>
+                  <c:v>594662000</c:v>
                 </c:pt>
                 <c:pt idx="18">
-                  <c:v>642016514</c:v>
+                  <c:v>1258563849</c:v>
                 </c:pt>
                 <c:pt idx="19">
-                  <c:v>992084942</c:v>
+                  <c:v>805283288</c:v>
                 </c:pt>
                 <c:pt idx="20">
-                  <c:v>32168000</c:v>
+                  <c:v>103624000</c:v>
                 </c:pt>
                 <c:pt idx="21">
-                  <c:v>93959647</c:v>
+                  <c:v>148981151</c:v>
                 </c:pt>
                 <c:pt idx="22">
-                  <c:v>534334608</c:v>
+                  <c:v>1621501207</c:v>
                 </c:pt>
                 <c:pt idx="23">
-                  <c:v>117068719</c:v>
+                  <c:v>592772264</c:v>
                 </c:pt>
                 <c:pt idx="24">
-                  <c:v>15078006</c:v>
+                  <c:v>70783235</c:v>
                 </c:pt>
                 <c:pt idx="25">
-                  <c:v>4413000</c:v>
+                  <c:v>43168000</c:v>
                 </c:pt>
                 <c:pt idx="26">
-                  <c:v>186045000</c:v>
+                  <c:v>163847000</c:v>
                 </c:pt>
                 <c:pt idx="27">
-                  <c:v>28625698</c:v>
+                  <c:v>144611242</c:v>
                 </c:pt>
                 <c:pt idx="28">
-                  <c:v>2307829</c:v>
+                  <c:v>167945066</c:v>
                 </c:pt>
                 <c:pt idx="29">
-                  <c:v>0</c:v>
+                  <c:v>962000</c:v>
                 </c:pt>
                 <c:pt idx="30">
-                  <c:v>47192968</c:v>
+                  <c:v>246457780</c:v>
                 </c:pt>
               </c:numCache>
             </c:numRef>
           </c:val>
           <c:extLst>
             <c:ext xmlns:c16="http://schemas.microsoft.com/office/drawing/2014/chart" uri="{C3380CC4-5D6E-409C-BE32-E72D297353CC}">
-              <c16:uniqueId val="{0000000B-8E4B-44FF-82EF-978E8DD21ED0}"/>
+              <c16:uniqueId val="{0000000B-ECCE-4E07-BDF4-58AAF996F6BA}"/>
             </c:ext>
           </c:extLst>
         </c:ser>
@@ -3738,104 +3728,104 @@
                 <c:formatCode>General</c:formatCode>
                 <c:ptCount val="31"/>
                 <c:pt idx="0">
-                  <c:v>9768952000</c:v>
+                  <c:v>8327303000</c:v>
                 </c:pt>
                 <c:pt idx="1">
-                  <c:v>1793179000</c:v>
+                  <c:v>1663767000</c:v>
                 </c:pt>
                 <c:pt idx="2">
-                  <c:v>13810958000</c:v>
+                  <c:v>13125455000</c:v>
                 </c:pt>
                 <c:pt idx="3">
-                  <c:v>19804015000</c:v>
+                  <c:v>17767993000</c:v>
                 </c:pt>
                 <c:pt idx="4">
-                  <c:v>977345000</c:v>
+                  <c:v>932527000</c:v>
                 </c:pt>
                 <c:pt idx="5">
-                  <c:v>2247624177</c:v>
+                  <c:v>1968038892</c:v>
                 </c:pt>
                 <c:pt idx="6">
-                  <c:v>397620000</c:v>
+                  <c:v>342325000</c:v>
                 </c:pt>
                 <c:pt idx="7">
-                  <c:v>2055192000</c:v>
+                  <c:v>1553436000</c:v>
                 </c:pt>
                 <c:pt idx="8">
-                  <c:v>10243490000</c:v>
+                  <c:v>9486254000</c:v>
                 </c:pt>
                 <c:pt idx="9">
-                  <c:v>2031010000</c:v>
+                  <c:v>1528365000</c:v>
                 </c:pt>
                 <c:pt idx="10">
                   <c:v>0</c:v>
                 </c:pt>
                 <c:pt idx="11">
-                  <c:v>247716373</c:v>
+                  <c:v>180801066</c:v>
                 </c:pt>
                 <c:pt idx="12">
                   <c:v>2596417830</c:v>
                 </c:pt>
                 <c:pt idx="13">
-                  <c:v>4972148000</c:v>
+                  <c:v>4735066000</c:v>
                 </c:pt>
                 <c:pt idx="14">
-                  <c:v>4244196000</c:v>
+                  <c:v>3687563000</c:v>
                 </c:pt>
                 <c:pt idx="15">
-                  <c:v>1841001000</c:v>
+                  <c:v>1462076000</c:v>
                 </c:pt>
                 <c:pt idx="16">
-                  <c:v>1476740000</c:v>
+                  <c:v>1053279000</c:v>
                 </c:pt>
                 <c:pt idx="17">
-                  <c:v>3207882000</c:v>
+                  <c:v>2380803000</c:v>
                 </c:pt>
                 <c:pt idx="18">
-                  <c:v>8880399826</c:v>
+                  <c:v>7834490314</c:v>
                 </c:pt>
                 <c:pt idx="19">
-                  <c:v>2235590566</c:v>
+                  <c:v>1928481335</c:v>
                 </c:pt>
                 <c:pt idx="20">
-                  <c:v>628450000</c:v>
+                  <c:v>572855000</c:v>
                 </c:pt>
                 <c:pt idx="21">
-                  <c:v>642029623</c:v>
+                  <c:v>529720257</c:v>
                 </c:pt>
                 <c:pt idx="22">
-                  <c:v>3274234946</c:v>
+                  <c:v>2494248288</c:v>
                 </c:pt>
                 <c:pt idx="23">
-                  <c:v>445715312</c:v>
+                  <c:v>381124350</c:v>
                 </c:pt>
                 <c:pt idx="24">
-                  <c:v>39219007</c:v>
+                  <c:v>38507775</c:v>
                 </c:pt>
                 <c:pt idx="25">
-                  <c:v>428951000</c:v>
+                  <c:v>325161000</c:v>
                 </c:pt>
                 <c:pt idx="26">
-                  <c:v>1017612000</c:v>
+                  <c:v>884031000</c:v>
                 </c:pt>
                 <c:pt idx="27">
-                  <c:v>692980988</c:v>
+                  <c:v>538901645</c:v>
                 </c:pt>
                 <c:pt idx="28">
-                  <c:v>91068296</c:v>
+                  <c:v>11211202</c:v>
                 </c:pt>
                 <c:pt idx="29">
-                  <c:v>44705000</c:v>
+                  <c:v>26314000</c:v>
                 </c:pt>
                 <c:pt idx="30">
-                  <c:v>455617910</c:v>
+                  <c:v>353915309</c:v>
                 </c:pt>
               </c:numCache>
             </c:numRef>
           </c:val>
           <c:extLst>
             <c:ext xmlns:c16="http://schemas.microsoft.com/office/drawing/2014/chart" uri="{C3380CC4-5D6E-409C-BE32-E72D297353CC}">
-              <c16:uniqueId val="{0000000C-8E4B-44FF-82EF-978E8DD21ED0}"/>
+              <c16:uniqueId val="{0000000C-ECCE-4E07-BDF4-58AAF996F6BA}"/>
             </c:ext>
           </c:extLst>
         </c:ser>
@@ -3973,105 +3963,105 @@
               <c:numCache>
                 <c:formatCode>General</c:formatCode>
                 <c:ptCount val="31"/>
-                <c:pt idx="0" formatCode="0.00E+00">
-                  <c:v>177000000000</c:v>
+                <c:pt idx="0">
+                  <c:v>110783413000</c:v>
                 </c:pt>
                 <c:pt idx="1">
-                  <c:v>45048831000</c:v>
-                </c:pt>
-                <c:pt idx="2" formatCode="0.00E+00">
-                  <c:v>334000000000</c:v>
-                </c:pt>
-                <c:pt idx="3" formatCode="0.00E+00">
-                  <c:v>233000000000</c:v>
+                  <c:v>27485135000</c:v>
+                </c:pt>
+                <c:pt idx="2">
+                  <c:v>233888363000</c:v>
+                </c:pt>
+                <c:pt idx="3">
+                  <c:v>135676497000</c:v>
                 </c:pt>
                 <c:pt idx="4">
-                  <c:v>44549209000</c:v>
+                  <c:v>38167655000</c:v>
                 </c:pt>
                 <c:pt idx="5">
-                  <c:v>34210397115</c:v>
+                  <c:v>26460747951</c:v>
                 </c:pt>
                 <c:pt idx="6">
-                  <c:v>10918524000</c:v>
+                  <c:v>6320671000</c:v>
                 </c:pt>
                 <c:pt idx="7">
-                  <c:v>20006935000</c:v>
-                </c:pt>
-                <c:pt idx="8" formatCode="0.00E+00">
-                  <c:v>131000000000</c:v>
+                  <c:v>14116757000</c:v>
+                </c:pt>
+                <c:pt idx="8">
+                  <c:v>72271534000</c:v>
                 </c:pt>
                 <c:pt idx="9">
-                  <c:v>57699909000</c:v>
+                  <c:v>35314670000</c:v>
                 </c:pt>
                 <c:pt idx="10">
-                  <c:v>209545182</c:v>
+                  <c:v>208731026</c:v>
                 </c:pt>
                 <c:pt idx="11">
-                  <c:v>15351070743</c:v>
+                  <c:v>7494597017</c:v>
                 </c:pt>
                 <c:pt idx="12">
-                  <c:v>38748398699</c:v>
+                  <c:v>31748884293</c:v>
                 </c:pt>
                 <c:pt idx="13">
-                  <c:v>24352550000</c:v>
+                  <c:v>16600432000</c:v>
                 </c:pt>
                 <c:pt idx="14">
-                  <c:v>23089171000</c:v>
+                  <c:v>17406214000</c:v>
                 </c:pt>
                 <c:pt idx="15">
-                  <c:v>4104403000</c:v>
+                  <c:v>2652012000</c:v>
                 </c:pt>
                 <c:pt idx="16">
-                  <c:v>580007000</c:v>
+                  <c:v>364353000</c:v>
                 </c:pt>
                 <c:pt idx="17">
-                  <c:v>7754142000</c:v>
+                  <c:v>4592341000</c:v>
                 </c:pt>
                 <c:pt idx="18">
-                  <c:v>69606102599</c:v>
+                  <c:v>39366071996</c:v>
                 </c:pt>
                 <c:pt idx="19">
-                  <c:v>48352477171</c:v>
+                  <c:v>40532955626</c:v>
                 </c:pt>
                 <c:pt idx="20">
-                  <c:v>15980169000</c:v>
+                  <c:v>13053647000</c:v>
                 </c:pt>
                 <c:pt idx="21">
-                  <c:v>38500650630</c:v>
+                  <c:v>22068860384</c:v>
                 </c:pt>
                 <c:pt idx="22">
-                  <c:v>23586359804</c:v>
+                  <c:v>15018890572</c:v>
                 </c:pt>
                 <c:pt idx="23">
-                  <c:v>6040785868</c:v>
+                  <c:v>3134094492</c:v>
                 </c:pt>
                 <c:pt idx="24">
-                  <c:v>342819732</c:v>
+                  <c:v>244047878</c:v>
                 </c:pt>
                 <c:pt idx="25">
-                  <c:v>1905128000</c:v>
+                  <c:v>1422792000</c:v>
                 </c:pt>
                 <c:pt idx="26">
-                  <c:v>6091874000</c:v>
+                  <c:v>4495793000</c:v>
                 </c:pt>
                 <c:pt idx="27">
-                  <c:v>3269614952</c:v>
+                  <c:v>1972765020</c:v>
                 </c:pt>
                 <c:pt idx="28">
-                  <c:v>1213578067</c:v>
+                  <c:v>384154249</c:v>
                 </c:pt>
                 <c:pt idx="29">
-                  <c:v>211811000</c:v>
+                  <c:v>136826000</c:v>
                 </c:pt>
                 <c:pt idx="30">
-                  <c:v>8067515077</c:v>
+                  <c:v>3455185420</c:v>
                 </c:pt>
               </c:numCache>
             </c:numRef>
           </c:val>
           <c:extLst>
             <c:ext xmlns:c16="http://schemas.microsoft.com/office/drawing/2014/chart" uri="{C3380CC4-5D6E-409C-BE32-E72D297353CC}">
-              <c16:uniqueId val="{0000000D-8E4B-44FF-82EF-978E8DD21ED0}"/>
+              <c16:uniqueId val="{0000000D-ECCE-4E07-BDF4-58AAF996F6BA}"/>
             </c:ext>
           </c:extLst>
         </c:ser>
@@ -4279,10 +4269,10 @@
         <c:manualLayout>
           <c:xMode val="edge"/>
           <c:yMode val="edge"/>
-          <c:x val="1.1966433013451331E-2"/>
-          <c:y val="0.81145797772307948"/>
-          <c:w val="0.95195166208780635"/>
-          <c:h val="0.17514675899671239"/>
+          <c:x val="1.2469109630526951E-2"/>
+          <c:y val="0.70434761341455565"/>
+          <c:w val="0.98660024227740761"/>
+          <c:h val="0.2819490906370522"/>
         </c:manualLayout>
       </c:layout>
       <c:overlay val="0"/>
@@ -4364,17 +4354,7 @@
   <c:chart>
     <c:autoTitleDeleted val="1"/>
     <c:plotArea>
-      <c:layout>
-        <c:manualLayout>
-          <c:layoutTarget val="inner"/>
-          <c:xMode val="edge"/>
-          <c:yMode val="edge"/>
-          <c:x val="4.8570977686219402E-2"/>
-          <c:y val="1.3264540403194282E-2"/>
-          <c:w val="0.93723325135284075"/>
-          <c:h val="0.61746855280058066"/>
-        </c:manualLayout>
-      </c:layout>
+      <c:layout/>
       <c:barChart>
         <c:barDir val="col"/>
         <c:grouping val="percentStacked"/>
@@ -4511,104 +4491,104 @@
                 <c:formatCode>General</c:formatCode>
                 <c:ptCount val="31"/>
                 <c:pt idx="0">
-                  <c:v>2015920000</c:v>
+                  <c:v>4543000</c:v>
                 </c:pt>
                 <c:pt idx="1">
-                  <c:v>498581000</c:v>
+                  <c:v>48998000</c:v>
                 </c:pt>
                 <c:pt idx="2">
-                  <c:v>1969262000</c:v>
+                  <c:v>1048215000</c:v>
                 </c:pt>
                 <c:pt idx="3">
-                  <c:v>1381125000</c:v>
+                  <c:v>71816000</c:v>
                 </c:pt>
                 <c:pt idx="4">
-                  <c:v>245947000</c:v>
+                  <c:v>6128000</c:v>
                 </c:pt>
                 <c:pt idx="5">
-                  <c:v>1532069550</c:v>
+                  <c:v>79443155</c:v>
                 </c:pt>
                 <c:pt idx="6">
-                  <c:v>99716000</c:v>
+                  <c:v>0</c:v>
                 </c:pt>
                 <c:pt idx="7">
-                  <c:v>886962000</c:v>
+                  <c:v>23347000</c:v>
                 </c:pt>
                 <c:pt idx="8">
-                  <c:v>5433667000</c:v>
+                  <c:v>101109000</c:v>
                 </c:pt>
                 <c:pt idx="9">
-                  <c:v>471484000</c:v>
+                  <c:v>0</c:v>
                 </c:pt>
                 <c:pt idx="10">
-                  <c:v>1537547273</c:v>
+                  <c:v>0</c:v>
                 </c:pt>
                 <c:pt idx="11">
-                  <c:v>1930342940</c:v>
+                  <c:v>0</c:v>
                 </c:pt>
                 <c:pt idx="12">
-                  <c:v>66318169</c:v>
+                  <c:v>0</c:v>
                 </c:pt>
                 <c:pt idx="13">
-                  <c:v>289128000</c:v>
+                  <c:v>59656000</c:v>
                 </c:pt>
                 <c:pt idx="14">
-                  <c:v>200131000</c:v>
+                  <c:v>159313000</c:v>
                 </c:pt>
                 <c:pt idx="15">
-                  <c:v>175063000</c:v>
+                  <c:v>47293000</c:v>
                 </c:pt>
                 <c:pt idx="16">
-                  <c:v>48994000</c:v>
+                  <c:v>0</c:v>
                 </c:pt>
                 <c:pt idx="17">
-                  <c:v>423989000</c:v>
+                  <c:v>11931000</c:v>
                 </c:pt>
                 <c:pt idx="18">
-                  <c:v>981862837</c:v>
+                  <c:v>212339718</c:v>
                 </c:pt>
                 <c:pt idx="19">
-                  <c:v>72775412</c:v>
+                  <c:v>711715</c:v>
                 </c:pt>
                 <c:pt idx="20">
-                  <c:v>11631000</c:v>
+                  <c:v>0</c:v>
                 </c:pt>
                 <c:pt idx="21">
-                  <c:v>56619596</c:v>
+                  <c:v>37367089</c:v>
                 </c:pt>
                 <c:pt idx="22">
-                  <c:v>82216224</c:v>
+                  <c:v>398043</c:v>
                 </c:pt>
                 <c:pt idx="23">
-                  <c:v>46849371</c:v>
+                  <c:v>5491359</c:v>
                 </c:pt>
                 <c:pt idx="24">
-                  <c:v>28586278</c:v>
+                  <c:v>0</c:v>
                 </c:pt>
                 <c:pt idx="25">
                   <c:v>0</c:v>
                 </c:pt>
                 <c:pt idx="26">
-                  <c:v>96131000</c:v>
+                  <c:v>48858000</c:v>
                 </c:pt>
                 <c:pt idx="27">
-                  <c:v>8430692</c:v>
+                  <c:v>0</c:v>
                 </c:pt>
                 <c:pt idx="28">
                   <c:v>0</c:v>
                 </c:pt>
                 <c:pt idx="29">
-                  <c:v>302000</c:v>
+                  <c:v>0</c:v>
                 </c:pt>
                 <c:pt idx="30">
-                  <c:v>14740358</c:v>
+                  <c:v>0</c:v>
                 </c:pt>
               </c:numCache>
             </c:numRef>
           </c:val>
           <c:extLst>
             <c:ext xmlns:c16="http://schemas.microsoft.com/office/drawing/2014/chart" uri="{C3380CC4-5D6E-409C-BE32-E72D297353CC}">
-              <c16:uniqueId val="{00000000-DD8B-4E58-90AD-4FAF223E1A89}"/>
+              <c16:uniqueId val="{00000000-D483-4A97-A6D0-CF00D8E524E8}"/>
             </c:ext>
           </c:extLst>
         </c:ser>
@@ -4744,104 +4724,104 @@
                 <c:formatCode>General</c:formatCode>
                 <c:ptCount val="31"/>
                 <c:pt idx="0">
-                  <c:v>9356671000</c:v>
+                  <c:v>12128420000</c:v>
                 </c:pt>
                 <c:pt idx="1">
-                  <c:v>2565730000</c:v>
+                  <c:v>3332183000</c:v>
                 </c:pt>
                 <c:pt idx="2">
-                  <c:v>16584092000</c:v>
+                  <c:v>24516058000</c:v>
                 </c:pt>
                 <c:pt idx="3">
-                  <c:v>30266035000</c:v>
+                  <c:v>35582316000</c:v>
                 </c:pt>
                 <c:pt idx="4">
-                  <c:v>770080000</c:v>
+                  <c:v>663823000</c:v>
                 </c:pt>
                 <c:pt idx="5">
-                  <c:v>2423434756</c:v>
+                  <c:v>1836656778</c:v>
                 </c:pt>
                 <c:pt idx="6">
-                  <c:v>1150008000</c:v>
+                  <c:v>1263449000</c:v>
                 </c:pt>
                 <c:pt idx="7">
-                  <c:v>4570237000</c:v>
+                  <c:v>4858757000</c:v>
                 </c:pt>
                 <c:pt idx="8">
-                  <c:v>14989305000</c:v>
+                  <c:v>18497143000</c:v>
                 </c:pt>
                 <c:pt idx="9">
-                  <c:v>4782880000</c:v>
+                  <c:v>5356484000</c:v>
                 </c:pt>
                 <c:pt idx="10">
                   <c:v>0</c:v>
                 </c:pt>
                 <c:pt idx="11">
-                  <c:v>877060604</c:v>
+                  <c:v>481799594</c:v>
                 </c:pt>
                 <c:pt idx="12">
-                  <c:v>1122357477</c:v>
+                  <c:v>1529911578</c:v>
                 </c:pt>
                 <c:pt idx="13">
-                  <c:v>1679359000</c:v>
+                  <c:v>1540291000</c:v>
                 </c:pt>
                 <c:pt idx="14">
-                  <c:v>2083288000</c:v>
+                  <c:v>2256667000</c:v>
                 </c:pt>
                 <c:pt idx="15">
-                  <c:v>494361000</c:v>
+                  <c:v>555438000</c:v>
                 </c:pt>
                 <c:pt idx="16">
-                  <c:v>62753000</c:v>
+                  <c:v>65315000</c:v>
                 </c:pt>
                 <c:pt idx="17">
-                  <c:v>775372000</c:v>
+                  <c:v>917370000</c:v>
                 </c:pt>
                 <c:pt idx="18">
-                  <c:v>8156052839</c:v>
+                  <c:v>9284730519</c:v>
                 </c:pt>
                 <c:pt idx="19">
-                  <c:v>3158506454</c:v>
+                  <c:v>3796902640</c:v>
                 </c:pt>
                 <c:pt idx="20">
-                  <c:v>916314000</c:v>
+                  <c:v>1132802000</c:v>
                 </c:pt>
                 <c:pt idx="21">
-                  <c:v>1165915179</c:v>
+                  <c:v>2455111177</c:v>
                 </c:pt>
                 <c:pt idx="22">
-                  <c:v>2138871773</c:v>
+                  <c:v>2401368187</c:v>
                 </c:pt>
                 <c:pt idx="23">
-                  <c:v>884645670</c:v>
+                  <c:v>963560179</c:v>
                 </c:pt>
                 <c:pt idx="24">
-                  <c:v>218248034</c:v>
+                  <c:v>237028025</c:v>
                 </c:pt>
                 <c:pt idx="25">
-                  <c:v>146870000</c:v>
+                  <c:v>227402000</c:v>
                 </c:pt>
                 <c:pt idx="26">
-                  <c:v>888231000</c:v>
+                  <c:v>1107547000</c:v>
                 </c:pt>
                 <c:pt idx="27">
-                  <c:v>392998880</c:v>
+                  <c:v>608701678</c:v>
                 </c:pt>
                 <c:pt idx="28">
-                  <c:v>16636447</c:v>
+                  <c:v>26803653</c:v>
                 </c:pt>
                 <c:pt idx="29">
-                  <c:v>4724000</c:v>
+                  <c:v>5020000</c:v>
                 </c:pt>
                 <c:pt idx="30">
-                  <c:v>852133733</c:v>
+                  <c:v>848218339</c:v>
                 </c:pt>
               </c:numCache>
             </c:numRef>
           </c:val>
           <c:extLst>
             <c:ext xmlns:c16="http://schemas.microsoft.com/office/drawing/2014/chart" uri="{C3380CC4-5D6E-409C-BE32-E72D297353CC}">
-              <c16:uniqueId val="{00000001-DD8B-4E58-90AD-4FAF223E1A89}"/>
+              <c16:uniqueId val="{00000001-D483-4A97-A6D0-CF00D8E524E8}"/>
             </c:ext>
           </c:extLst>
         </c:ser>
@@ -4977,104 +4957,104 @@
                 <c:formatCode>General</c:formatCode>
                 <c:ptCount val="31"/>
                 <c:pt idx="0">
-                  <c:v>19662245000</c:v>
+                  <c:v>29796146000</c:v>
                 </c:pt>
                 <c:pt idx="1">
-                  <c:v>2009922000</c:v>
+                  <c:v>4494064000</c:v>
                 </c:pt>
                 <c:pt idx="2">
-                  <c:v>25765576000</c:v>
+                  <c:v>42433467000</c:v>
                 </c:pt>
                 <c:pt idx="3">
-                  <c:v>23559768000</c:v>
+                  <c:v>41192169000</c:v>
                 </c:pt>
                 <c:pt idx="4">
-                  <c:v>367087000</c:v>
+                  <c:v>2949360000</c:v>
                 </c:pt>
                 <c:pt idx="5">
-                  <c:v>2163964488</c:v>
+                  <c:v>4515948273</c:v>
                 </c:pt>
                 <c:pt idx="6">
-                  <c:v>1624383000</c:v>
+                  <c:v>1986610000</c:v>
                 </c:pt>
                 <c:pt idx="7">
-                  <c:v>2041742000</c:v>
+                  <c:v>3005391000</c:v>
                 </c:pt>
                 <c:pt idx="8">
-                  <c:v>16860069000</c:v>
+                  <c:v>26910350000</c:v>
                 </c:pt>
                 <c:pt idx="9">
-                  <c:v>4505346000</c:v>
+                  <c:v>7214797000</c:v>
                 </c:pt>
                 <c:pt idx="10">
-                  <c:v>206544773</c:v>
+                  <c:v>216362764</c:v>
                 </c:pt>
                 <c:pt idx="11">
-                  <c:v>811205447</c:v>
+                  <c:v>893465705</c:v>
                 </c:pt>
                 <c:pt idx="12">
-                  <c:v>1650682737</c:v>
+                  <c:v>2186712026</c:v>
                 </c:pt>
                 <c:pt idx="13">
-                  <c:v>7631925000</c:v>
+                  <c:v>9763452000</c:v>
                 </c:pt>
                 <c:pt idx="14">
-                  <c:v>1380615000</c:v>
+                  <c:v>2956642000</c:v>
                 </c:pt>
                 <c:pt idx="15">
-                  <c:v>361089000</c:v>
+                  <c:v>511047000</c:v>
                 </c:pt>
                 <c:pt idx="16">
-                  <c:v>62829000</c:v>
+                  <c:v>75520000</c:v>
                 </c:pt>
                 <c:pt idx="17">
-                  <c:v>497541000</c:v>
+                  <c:v>2164474000</c:v>
                 </c:pt>
                 <c:pt idx="18">
-                  <c:v>6133067150</c:v>
+                  <c:v>9788241962</c:v>
                 </c:pt>
                 <c:pt idx="19">
-                  <c:v>1879953760</c:v>
+                  <c:v>3640569487</c:v>
                 </c:pt>
                 <c:pt idx="20">
-                  <c:v>71025000</c:v>
+                  <c:v>582258000</c:v>
                 </c:pt>
                 <c:pt idx="21">
-                  <c:v>1562678604</c:v>
+                  <c:v>2390097201</c:v>
                 </c:pt>
                 <c:pt idx="22">
-                  <c:v>1046578525</c:v>
+                  <c:v>1466238706</c:v>
                 </c:pt>
                 <c:pt idx="23">
-                  <c:v>1014538809</c:v>
+                  <c:v>1301372331</c:v>
                 </c:pt>
                 <c:pt idx="24">
-                  <c:v>10513447</c:v>
+                  <c:v>18085662</c:v>
                 </c:pt>
                 <c:pt idx="25">
-                  <c:v>96058000</c:v>
+                  <c:v>165616000</c:v>
                 </c:pt>
                 <c:pt idx="26">
-                  <c:v>444057000</c:v>
+                  <c:v>686026000</c:v>
                 </c:pt>
                 <c:pt idx="27">
-                  <c:v>174202255</c:v>
+                  <c:v>281436011</c:v>
                 </c:pt>
                 <c:pt idx="28">
-                  <c:v>36456114</c:v>
+                  <c:v>49910751</c:v>
                 </c:pt>
                 <c:pt idx="29">
-                  <c:v>347000</c:v>
+                  <c:v>417000</c:v>
                 </c:pt>
                 <c:pt idx="30">
-                  <c:v>809925156</c:v>
+                  <c:v>1001085869</c:v>
                 </c:pt>
               </c:numCache>
             </c:numRef>
           </c:val>
           <c:extLst>
             <c:ext xmlns:c16="http://schemas.microsoft.com/office/drawing/2014/chart" uri="{C3380CC4-5D6E-409C-BE32-E72D297353CC}">
-              <c16:uniqueId val="{00000002-DD8B-4E58-90AD-4FAF223E1A89}"/>
+              <c16:uniqueId val="{00000002-D483-4A97-A6D0-CF00D8E524E8}"/>
             </c:ext>
           </c:extLst>
         </c:ser>
@@ -5210,88 +5190,88 @@
                 <c:formatCode>General</c:formatCode>
                 <c:ptCount val="31"/>
                 <c:pt idx="0">
-                  <c:v>5013034000</c:v>
+                  <c:v>3921782000</c:v>
                 </c:pt>
                 <c:pt idx="1">
-                  <c:v>612211000</c:v>
+                  <c:v>0</c:v>
                 </c:pt>
                 <c:pt idx="2">
-                  <c:v>1593699000</c:v>
+                  <c:v>703738000</c:v>
                 </c:pt>
                 <c:pt idx="3">
-                  <c:v>5147618000</c:v>
+                  <c:v>1908680000</c:v>
                 </c:pt>
                 <c:pt idx="4">
-                  <c:v>501203000</c:v>
+                  <c:v>372565000</c:v>
                 </c:pt>
                 <c:pt idx="5">
-                  <c:v>780017983</c:v>
+                  <c:v>566181669</c:v>
                 </c:pt>
                 <c:pt idx="6">
-                  <c:v>34552000</c:v>
+                  <c:v>12692000</c:v>
                 </c:pt>
                 <c:pt idx="7">
-                  <c:v>163673000</c:v>
+                  <c:v>68190000</c:v>
                 </c:pt>
                 <c:pt idx="8">
-                  <c:v>1629470000</c:v>
+                  <c:v>340193000</c:v>
                 </c:pt>
                 <c:pt idx="9">
-                  <c:v>722592000</c:v>
+                  <c:v>420340000</c:v>
                 </c:pt>
                 <c:pt idx="10">
                   <c:v>0</c:v>
                 </c:pt>
                 <c:pt idx="11">
-                  <c:v>487170017</c:v>
+                  <c:v>0</c:v>
                 </c:pt>
                 <c:pt idx="12">
-                  <c:v>1746314946</c:v>
+                  <c:v>297007266</c:v>
                 </c:pt>
                 <c:pt idx="13">
-                  <c:v>1140302000</c:v>
+                  <c:v>777754000</c:v>
                 </c:pt>
                 <c:pt idx="14">
-                  <c:v>766375000</c:v>
+                  <c:v>705723000</c:v>
                 </c:pt>
                 <c:pt idx="15">
-                  <c:v>717448000</c:v>
+                  <c:v>275433000</c:v>
                 </c:pt>
                 <c:pt idx="16">
                   <c:v>65678000</c:v>
                 </c:pt>
                 <c:pt idx="17">
-                  <c:v>207626000</c:v>
+                  <c:v>61388000</c:v>
                 </c:pt>
                 <c:pt idx="18">
-                  <c:v>1210901586</c:v>
+                  <c:v>448523778</c:v>
                 </c:pt>
                 <c:pt idx="19">
-                  <c:v>526841527</c:v>
+                  <c:v>348285161</c:v>
                 </c:pt>
                 <c:pt idx="20">
-                  <c:v>174192000</c:v>
+                  <c:v>123478000</c:v>
                 </c:pt>
                 <c:pt idx="21">
-                  <c:v>284228485</c:v>
+                  <c:v>249834045</c:v>
                 </c:pt>
                 <c:pt idx="22">
-                  <c:v>182339540</c:v>
+                  <c:v>56035337</c:v>
                 </c:pt>
                 <c:pt idx="23">
-                  <c:v>165556805</c:v>
+                  <c:v>109173739</c:v>
                 </c:pt>
                 <c:pt idx="24">
-                  <c:v>9782004</c:v>
+                  <c:v>0</c:v>
                 </c:pt>
                 <c:pt idx="25">
                   <c:v>109708000</c:v>
                 </c:pt>
                 <c:pt idx="26">
-                  <c:v>110063000</c:v>
+                  <c:v>76283000</c:v>
                 </c:pt>
                 <c:pt idx="27">
-                  <c:v>56107125</c:v>
+                  <c:v>38911357</c:v>
                 </c:pt>
                 <c:pt idx="28">
                   <c:v>0</c:v>
@@ -5300,14 +5280,14 @@
                   <c:v>9244000</c:v>
                 </c:pt>
                 <c:pt idx="30">
-                  <c:v>44969634</c:v>
+                  <c:v>41853728</c:v>
                 </c:pt>
               </c:numCache>
             </c:numRef>
           </c:val>
           <c:extLst>
             <c:ext xmlns:c16="http://schemas.microsoft.com/office/drawing/2014/chart" uri="{C3380CC4-5D6E-409C-BE32-E72D297353CC}">
-              <c16:uniqueId val="{00000003-DD8B-4E58-90AD-4FAF223E1A89}"/>
+              <c16:uniqueId val="{00000003-D483-4A97-A6D0-CF00D8E524E8}"/>
             </c:ext>
           </c:extLst>
         </c:ser>
@@ -5443,104 +5423,104 @@
                 <c:formatCode>General</c:formatCode>
                 <c:ptCount val="31"/>
                 <c:pt idx="0">
-                  <c:v>97106585000</c:v>
+                  <c:v>176547254000</c:v>
                 </c:pt>
                 <c:pt idx="1">
-                  <c:v>19701652000</c:v>
-                </c:pt>
-                <c:pt idx="2" formatCode="0.00E+00">
-                  <c:v>130000000000</c:v>
+                  <c:v>41853799000</c:v>
+                </c:pt>
+                <c:pt idx="2">
+                  <c:v>228476055000</c:v>
                 </c:pt>
                 <c:pt idx="3">
-                  <c:v>92854627000</c:v>
+                  <c:v>181789129000</c:v>
                 </c:pt>
                 <c:pt idx="4">
-                  <c:v>8571203000</c:v>
+                  <c:v>15938211000</c:v>
                 </c:pt>
                 <c:pt idx="5">
-                  <c:v>14645789232</c:v>
+                  <c:v>23046729922</c:v>
                 </c:pt>
                 <c:pt idx="6">
-                  <c:v>4034476000</c:v>
+                  <c:v>8488371000</c:v>
                 </c:pt>
                 <c:pt idx="7">
-                  <c:v>9386962000</c:v>
-                </c:pt>
-                <c:pt idx="8" formatCode="0.00E+00">
-                  <c:v>109000000000</c:v>
+                  <c:v>19785110000</c:v>
+                </c:pt>
+                <c:pt idx="8">
+                  <c:v>181206026000</c:v>
                 </c:pt>
                 <c:pt idx="9">
-                  <c:v>18101100000</c:v>
+                  <c:v>38978551000</c:v>
                 </c:pt>
                 <c:pt idx="10">
-                  <c:v>547806142</c:v>
+                  <c:v>2075792167</c:v>
                 </c:pt>
                 <c:pt idx="11">
-                  <c:v>11300406571</c:v>
+                  <c:v>21710151603</c:v>
                 </c:pt>
                 <c:pt idx="12">
-                  <c:v>5246315732</c:v>
+                  <c:v>12103346519</c:v>
                 </c:pt>
                 <c:pt idx="13">
-                  <c:v>7669781000</c:v>
+                  <c:v>15514198000</c:v>
                 </c:pt>
                 <c:pt idx="14">
-                  <c:v>17737265000</c:v>
+                  <c:v>26087864000</c:v>
                 </c:pt>
                 <c:pt idx="15">
-                  <c:v>1683033000</c:v>
+                  <c:v>3149345000</c:v>
                 </c:pt>
                 <c:pt idx="16">
-                  <c:v>947453000</c:v>
+                  <c:v>1662598000</c:v>
                 </c:pt>
                 <c:pt idx="17">
-                  <c:v>3843176000</c:v>
+                  <c:v>6991843000</c:v>
                 </c:pt>
                 <c:pt idx="18">
-                  <c:v>41533898498</c:v>
+                  <c:v>71853118448</c:v>
                 </c:pt>
                 <c:pt idx="19">
-                  <c:v>11580299123</c:v>
+                  <c:v>24834588949</c:v>
                 </c:pt>
                 <c:pt idx="20">
-                  <c:v>2413372000</c:v>
+                  <c:v>7713322000</c:v>
                 </c:pt>
                 <c:pt idx="21">
-                  <c:v>9910912941</c:v>
+                  <c:v>16950249408</c:v>
                 </c:pt>
                 <c:pt idx="22">
-                  <c:v>11221058078</c:v>
+                  <c:v>16334824426</c:v>
                 </c:pt>
                 <c:pt idx="23">
-                  <c:v>3778010019</c:v>
+                  <c:v>5937140812</c:v>
                 </c:pt>
                 <c:pt idx="24">
-                  <c:v>390275515</c:v>
+                  <c:v>454081479</c:v>
                 </c:pt>
                 <c:pt idx="25">
-                  <c:v>851148000</c:v>
+                  <c:v>1393942000</c:v>
                 </c:pt>
                 <c:pt idx="26">
-                  <c:v>3803070000</c:v>
+                  <c:v>5723122000</c:v>
                 </c:pt>
                 <c:pt idx="27">
-                  <c:v>1039465088</c:v>
+                  <c:v>1918436674</c:v>
                 </c:pt>
                 <c:pt idx="28">
-                  <c:v>573917531</c:v>
+                  <c:v>766406700</c:v>
                 </c:pt>
                 <c:pt idx="29">
-                  <c:v>227477000</c:v>
+                  <c:v>320633000</c:v>
                 </c:pt>
                 <c:pt idx="30">
-                  <c:v>3262876132</c:v>
+                  <c:v>5766462149</c:v>
                 </c:pt>
               </c:numCache>
             </c:numRef>
           </c:val>
           <c:extLst>
             <c:ext xmlns:c16="http://schemas.microsoft.com/office/drawing/2014/chart" uri="{C3380CC4-5D6E-409C-BE32-E72D297353CC}">
-              <c16:uniqueId val="{00000004-DD8B-4E58-90AD-4FAF223E1A89}"/>
+              <c16:uniqueId val="{00000004-D483-4A97-A6D0-CF00D8E524E8}"/>
             </c:ext>
           </c:extLst>
         </c:ser>
@@ -5675,105 +5655,105 @@
               <c:numCache>
                 <c:formatCode>General</c:formatCode>
                 <c:ptCount val="31"/>
-                <c:pt idx="0" formatCode="0.00E+00">
-                  <c:v>115000000000</c:v>
+                <c:pt idx="0">
+                  <c:v>117479147000</c:v>
                 </c:pt>
                 <c:pt idx="1">
-                  <c:v>21893148000</c:v>
-                </c:pt>
-                <c:pt idx="2" formatCode="0.00E+00">
-                  <c:v>247000000000</c:v>
-                </c:pt>
-                <c:pt idx="3" formatCode="0.00E+00">
-                  <c:v>258000000000</c:v>
+                  <c:v>20897602000</c:v>
+                </c:pt>
+                <c:pt idx="2">
+                  <c:v>247960089000</c:v>
+                </c:pt>
+                <c:pt idx="3">
+                  <c:v>256819892000</c:v>
                 </c:pt>
                 <c:pt idx="4">
-                  <c:v>5303777000</c:v>
+                  <c:v>2788699000</c:v>
                 </c:pt>
                 <c:pt idx="5">
-                  <c:v>18554347125</c:v>
+                  <c:v>17818928853</c:v>
                 </c:pt>
                 <c:pt idx="6">
-                  <c:v>4582522000</c:v>
+                  <c:v>4539010000</c:v>
                 </c:pt>
                 <c:pt idx="7">
-                  <c:v>12367785000</c:v>
+                  <c:v>12379288000</c:v>
                 </c:pt>
                 <c:pt idx="8">
-                  <c:v>95004058000</c:v>
+                  <c:v>93674090000</c:v>
                 </c:pt>
                 <c:pt idx="9">
-                  <c:v>20473867000</c:v>
+                  <c:v>20670803000</c:v>
                 </c:pt>
                 <c:pt idx="10">
-                  <c:v>1931332482</c:v>
+                  <c:v>1931889895</c:v>
                 </c:pt>
                 <c:pt idx="11">
-                  <c:v>3850899620</c:v>
+                  <c:v>3869788354</c:v>
                 </c:pt>
                 <c:pt idx="12">
-                  <c:v>14455344373</c:v>
+                  <c:v>17091893403</c:v>
                 </c:pt>
                 <c:pt idx="13">
-                  <c:v>24869309000</c:v>
+                  <c:v>25877978000</c:v>
                 </c:pt>
                 <c:pt idx="14">
-                  <c:v>28997550000</c:v>
+                  <c:v>29201485000</c:v>
                 </c:pt>
                 <c:pt idx="15">
-                  <c:v>3028498000</c:v>
+                  <c:v>3047792000</c:v>
                 </c:pt>
                 <c:pt idx="16">
-                  <c:v>385695000</c:v>
+                  <c:v>380202000</c:v>
                 </c:pt>
                 <c:pt idx="17">
-                  <c:v>4594756000</c:v>
+                  <c:v>4174397000</c:v>
                 </c:pt>
                 <c:pt idx="18">
-                  <c:v>39902542936</c:v>
+                  <c:v>39338454428</c:v>
                 </c:pt>
                 <c:pt idx="19">
-                  <c:v>31916119028</c:v>
+                  <c:v>31401604740</c:v>
                 </c:pt>
                 <c:pt idx="20">
-                  <c:v>17717681000</c:v>
+                  <c:v>17352934000</c:v>
                 </c:pt>
                 <c:pt idx="21">
-                  <c:v>25491348435</c:v>
+                  <c:v>35426920917</c:v>
                 </c:pt>
                 <c:pt idx="22">
-                  <c:v>10437611133</c:v>
+                  <c:v>10606741057</c:v>
                 </c:pt>
                 <c:pt idx="23">
-                  <c:v>3998684934</c:v>
+                  <c:v>3920863584</c:v>
                 </c:pt>
                 <c:pt idx="24">
-                  <c:v>347546959</c:v>
+                  <c:v>339974744</c:v>
                 </c:pt>
                 <c:pt idx="25">
-                  <c:v>2738052000</c:v>
+                  <c:v>2748720000</c:v>
                 </c:pt>
                 <c:pt idx="26">
-                  <c:v>3188661000</c:v>
+                  <c:v>3303566000</c:v>
                 </c:pt>
                 <c:pt idx="27">
-                  <c:v>2388348688</c:v>
+                  <c:v>2599661530</c:v>
                 </c:pt>
                 <c:pt idx="28">
-                  <c:v>233479068</c:v>
+                  <c:v>223194023</c:v>
                 </c:pt>
                 <c:pt idx="29">
                   <c:v>124247000</c:v>
                 </c:pt>
                 <c:pt idx="30">
-                  <c:v>3988114755</c:v>
+                  <c:v>3943961180</c:v>
                 </c:pt>
               </c:numCache>
             </c:numRef>
           </c:val>
           <c:extLst>
             <c:ext xmlns:c16="http://schemas.microsoft.com/office/drawing/2014/chart" uri="{C3380CC4-5D6E-409C-BE32-E72D297353CC}">
-              <c16:uniqueId val="{00000005-DD8B-4E58-90AD-4FAF223E1A89}"/>
+              <c16:uniqueId val="{00000005-D483-4A97-A6D0-CF00D8E524E8}"/>
             </c:ext>
           </c:extLst>
         </c:ser>
@@ -5911,104 +5891,104 @@
                 <c:formatCode>General</c:formatCode>
                 <c:ptCount val="31"/>
                 <c:pt idx="0">
-                  <c:v>62181324000</c:v>
+                  <c:v>49778016000</c:v>
                 </c:pt>
                 <c:pt idx="1">
-                  <c:v>15530245000</c:v>
-                </c:pt>
-                <c:pt idx="2" formatCode="0.00E+00">
-                  <c:v>179000000000</c:v>
+                  <c:v>11653274000</c:v>
+                </c:pt>
+                <c:pt idx="2">
+                  <c:v>181719286000</c:v>
                 </c:pt>
                 <c:pt idx="3">
-                  <c:v>89703115000</c:v>
+                  <c:v>105753920000</c:v>
                 </c:pt>
                 <c:pt idx="4">
-                  <c:v>6129891000</c:v>
+                  <c:v>6118494000</c:v>
                 </c:pt>
                 <c:pt idx="5">
-                  <c:v>8983060842</c:v>
+                  <c:v>10381460364</c:v>
                 </c:pt>
                 <c:pt idx="6">
-                  <c:v>312035000</c:v>
+                  <c:v>455774000</c:v>
                 </c:pt>
                 <c:pt idx="7">
-                  <c:v>9738740000</c:v>
+                  <c:v>6015167000</c:v>
                 </c:pt>
                 <c:pt idx="8">
-                  <c:v>44824069000</c:v>
+                  <c:v>35436088000</c:v>
                 </c:pt>
                 <c:pt idx="9">
-                  <c:v>4389233000</c:v>
+                  <c:v>6342372000</c:v>
                 </c:pt>
                 <c:pt idx="10">
                   <c:v>0</c:v>
                 </c:pt>
                 <c:pt idx="11">
-                  <c:v>1464555003</c:v>
+                  <c:v>1504559029</c:v>
                 </c:pt>
                 <c:pt idx="12">
-                  <c:v>13310761584</c:v>
+                  <c:v>10396961269</c:v>
                 </c:pt>
                 <c:pt idx="13">
-                  <c:v>9569227000</c:v>
+                  <c:v>8143785000</c:v>
                 </c:pt>
                 <c:pt idx="14">
-                  <c:v>15407516000</c:v>
+                  <c:v>13677101000</c:v>
                 </c:pt>
                 <c:pt idx="15">
-                  <c:v>1156591000</c:v>
+                  <c:v>1529918000</c:v>
                 </c:pt>
                 <c:pt idx="16">
-                  <c:v>123812000</c:v>
+                  <c:v>119647000</c:v>
                 </c:pt>
                 <c:pt idx="17">
-                  <c:v>1424828000</c:v>
+                  <c:v>1682390000</c:v>
                 </c:pt>
                 <c:pt idx="18">
-                  <c:v>21702598412</c:v>
+                  <c:v>25101364591</c:v>
                 </c:pt>
                 <c:pt idx="19">
-                  <c:v>29651599401</c:v>
+                  <c:v>27280987966</c:v>
                 </c:pt>
                 <c:pt idx="20">
-                  <c:v>7086700000</c:v>
+                  <c:v>5002729000</c:v>
                 </c:pt>
                 <c:pt idx="21">
-                  <c:v>13813211596</c:v>
+                  <c:v>13040519114</c:v>
                 </c:pt>
                 <c:pt idx="22">
-                  <c:v>5144262230</c:v>
+                  <c:v>8537422522</c:v>
                 </c:pt>
                 <c:pt idx="23">
-                  <c:v>1164767354</c:v>
+                  <c:v>1919133852</c:v>
                 </c:pt>
                 <c:pt idx="24">
-                  <c:v>3442390</c:v>
+                  <c:v>6100984</c:v>
                 </c:pt>
                 <c:pt idx="25">
-                  <c:v>1068668000</c:v>
+                  <c:v>1395470000</c:v>
                 </c:pt>
                 <c:pt idx="26">
-                  <c:v>983394000</c:v>
+                  <c:v>1251951000</c:v>
                 </c:pt>
                 <c:pt idx="27">
-                  <c:v>312085914</c:v>
+                  <c:v>340629296</c:v>
                 </c:pt>
                 <c:pt idx="28">
-                  <c:v>11874130</c:v>
+                  <c:v>577082833</c:v>
                 </c:pt>
                 <c:pt idx="29">
                   <c:v>0</c:v>
                 </c:pt>
                 <c:pt idx="30">
-                  <c:v>1388542964</c:v>
+                  <c:v>3381043119</c:v>
                 </c:pt>
               </c:numCache>
             </c:numRef>
           </c:val>
           <c:extLst>
             <c:ext xmlns:c16="http://schemas.microsoft.com/office/drawing/2014/chart" uri="{C3380CC4-5D6E-409C-BE32-E72D297353CC}">
-              <c16:uniqueId val="{00000006-DD8B-4E58-90AD-4FAF223E1A89}"/>
+              <c16:uniqueId val="{00000006-D483-4A97-A6D0-CF00D8E524E8}"/>
             </c:ext>
           </c:extLst>
         </c:ser>
@@ -6146,34 +6126,34 @@
                 <c:formatCode>General</c:formatCode>
                 <c:ptCount val="31"/>
                 <c:pt idx="0">
-                  <c:v>366547000</c:v>
+                  <c:v>270826000</c:v>
                 </c:pt>
                 <c:pt idx="1">
-                  <c:v>178372000</c:v>
+                  <c:v>103761000</c:v>
                 </c:pt>
                 <c:pt idx="2">
-                  <c:v>1959731000</c:v>
+                  <c:v>138552000</c:v>
                 </c:pt>
                 <c:pt idx="3">
-                  <c:v>1823881000</c:v>
+                  <c:v>896358000</c:v>
                 </c:pt>
                 <c:pt idx="4">
                   <c:v>27759000</c:v>
                 </c:pt>
                 <c:pt idx="5">
-                  <c:v>132820197</c:v>
+                  <c:v>131763546</c:v>
                 </c:pt>
                 <c:pt idx="6">
-                  <c:v>27249000</c:v>
+                  <c:v>68257000</c:v>
                 </c:pt>
                 <c:pt idx="7">
-                  <c:v>28592000</c:v>
+                  <c:v>4002000</c:v>
                 </c:pt>
                 <c:pt idx="8">
-                  <c:v>414369000</c:v>
+                  <c:v>324787000</c:v>
                 </c:pt>
                 <c:pt idx="9">
-                  <c:v>202228000</c:v>
+                  <c:v>60493000</c:v>
                 </c:pt>
                 <c:pt idx="10">
                   <c:v>0</c:v>
@@ -6182,37 +6162,37 @@
                   <c:v>664808137</c:v>
                 </c:pt>
                 <c:pt idx="12">
-                  <c:v>174895024</c:v>
+                  <c:v>0</c:v>
                 </c:pt>
                 <c:pt idx="13">
-                  <c:v>21917000</c:v>
+                  <c:v>73297000</c:v>
                 </c:pt>
                 <c:pt idx="14">
-                  <c:v>23405000</c:v>
+                  <c:v>97161000</c:v>
                 </c:pt>
                 <c:pt idx="15">
-                  <c:v>58245000</c:v>
+                  <c:v>56227000</c:v>
                 </c:pt>
                 <c:pt idx="16">
                   <c:v>0</c:v>
                 </c:pt>
                 <c:pt idx="17">
-                  <c:v>7839000</c:v>
+                  <c:v>7088000</c:v>
                 </c:pt>
                 <c:pt idx="18">
-                  <c:v>119970937</c:v>
+                  <c:v>112977102</c:v>
                 </c:pt>
                 <c:pt idx="19">
-                  <c:v>55817114</c:v>
+                  <c:v>35669346</c:v>
                 </c:pt>
                 <c:pt idx="20">
-                  <c:v>8511000</c:v>
+                  <c:v>11846000</c:v>
                 </c:pt>
                 <c:pt idx="21">
-                  <c:v>25808461</c:v>
+                  <c:v>0</c:v>
                 </c:pt>
                 <c:pt idx="22">
-                  <c:v>495261487</c:v>
+                  <c:v>441830917</c:v>
                 </c:pt>
                 <c:pt idx="23">
                   <c:v>0</c:v>
@@ -6221,16 +6201,16 @@
                   <c:v>0</c:v>
                 </c:pt>
                 <c:pt idx="25">
-                  <c:v>13456000</c:v>
+                  <c:v>0</c:v>
                 </c:pt>
                 <c:pt idx="26">
-                  <c:v>103397000</c:v>
+                  <c:v>2446000</c:v>
                 </c:pt>
                 <c:pt idx="27">
-                  <c:v>13410164</c:v>
+                  <c:v>409034</c:v>
                 </c:pt>
                 <c:pt idx="28">
-                  <c:v>0</c:v>
+                  <c:v>1574091</c:v>
                 </c:pt>
                 <c:pt idx="29">
                   <c:v>0</c:v>
@@ -6243,7 +6223,7 @@
           </c:val>
           <c:extLst>
             <c:ext xmlns:c16="http://schemas.microsoft.com/office/drawing/2014/chart" uri="{C3380CC4-5D6E-409C-BE32-E72D297353CC}">
-              <c16:uniqueId val="{00000007-DD8B-4E58-90AD-4FAF223E1A89}"/>
+              <c16:uniqueId val="{00000007-D483-4A97-A6D0-CF00D8E524E8}"/>
             </c:ext>
           </c:extLst>
         </c:ser>
@@ -6381,104 +6361,104 @@
                 <c:formatCode>General</c:formatCode>
                 <c:ptCount val="31"/>
                 <c:pt idx="0">
-                  <c:v>26795760000</c:v>
+                  <c:v>19388844000</c:v>
                 </c:pt>
                 <c:pt idx="1">
-                  <c:v>5228766000</c:v>
+                  <c:v>4229607000</c:v>
                 </c:pt>
                 <c:pt idx="2">
-                  <c:v>54605901000</c:v>
+                  <c:v>39607680000</c:v>
                 </c:pt>
                 <c:pt idx="3">
-                  <c:v>46223118000</c:v>
+                  <c:v>29220700000</c:v>
                 </c:pt>
                 <c:pt idx="4">
-                  <c:v>839197000</c:v>
+                  <c:v>550148000</c:v>
                 </c:pt>
                 <c:pt idx="5">
-                  <c:v>2835744404</c:v>
+                  <c:v>1748088687</c:v>
                 </c:pt>
                 <c:pt idx="6">
-                  <c:v>825763000</c:v>
+                  <c:v>661862000</c:v>
                 </c:pt>
                 <c:pt idx="7">
-                  <c:v>3870705000</c:v>
+                  <c:v>3592079000</c:v>
                 </c:pt>
                 <c:pt idx="8">
-                  <c:v>26249407000</c:v>
+                  <c:v>16774772000</c:v>
                 </c:pt>
                 <c:pt idx="9">
-                  <c:v>7008346000</c:v>
+                  <c:v>5008176000</c:v>
                 </c:pt>
                 <c:pt idx="10">
                   <c:v>0</c:v>
                 </c:pt>
                 <c:pt idx="11">
-                  <c:v>630335849</c:v>
+                  <c:v>470195890</c:v>
                 </c:pt>
                 <c:pt idx="12">
-                  <c:v>2558085516</c:v>
+                  <c:v>2339458220</c:v>
                 </c:pt>
                 <c:pt idx="13">
-                  <c:v>2298910000</c:v>
+                  <c:v>1516177000</c:v>
                 </c:pt>
                 <c:pt idx="14">
-                  <c:v>5485827000</c:v>
+                  <c:v>4054035000</c:v>
                 </c:pt>
                 <c:pt idx="15">
-                  <c:v>487890000</c:v>
+                  <c:v>396289000</c:v>
                 </c:pt>
                 <c:pt idx="16">
-                  <c:v>60720000</c:v>
+                  <c:v>52353000</c:v>
                 </c:pt>
                 <c:pt idx="17">
-                  <c:v>1403740000</c:v>
+                  <c:v>910112000</c:v>
                 </c:pt>
                 <c:pt idx="18">
-                  <c:v>16726650815</c:v>
+                  <c:v>11518360634</c:v>
                 </c:pt>
                 <c:pt idx="19">
-                  <c:v>8873396808</c:v>
+                  <c:v>5132270537</c:v>
                 </c:pt>
                 <c:pt idx="20">
-                  <c:v>2373303000</c:v>
+                  <c:v>1844915000</c:v>
                 </c:pt>
                 <c:pt idx="21">
-                  <c:v>3439724770</c:v>
+                  <c:v>2041096355</c:v>
                 </c:pt>
                 <c:pt idx="22">
-                  <c:v>2711577822</c:v>
+                  <c:v>2343863790</c:v>
                 </c:pt>
                 <c:pt idx="23">
-                  <c:v>926614683</c:v>
+                  <c:v>604949890</c:v>
                 </c:pt>
                 <c:pt idx="24">
-                  <c:v>21419725</c:v>
+                  <c:v>18321315</c:v>
                 </c:pt>
                 <c:pt idx="25">
-                  <c:v>599702000</c:v>
+                  <c:v>266170000</c:v>
                 </c:pt>
                 <c:pt idx="26">
-                  <c:v>1100518000</c:v>
+                  <c:v>1016743000</c:v>
                 </c:pt>
                 <c:pt idx="27">
-                  <c:v>553465792</c:v>
+                  <c:v>506299117</c:v>
                 </c:pt>
                 <c:pt idx="28">
-                  <c:v>52575169</c:v>
+                  <c:v>46550659</c:v>
                 </c:pt>
                 <c:pt idx="29">
                   <c:v>4571000</c:v>
                 </c:pt>
                 <c:pt idx="30">
-                  <c:v>1045489685</c:v>
+                  <c:v>1054292521</c:v>
                 </c:pt>
               </c:numCache>
             </c:numRef>
           </c:val>
           <c:extLst>
             <c:ext xmlns:c16="http://schemas.microsoft.com/office/drawing/2014/chart" uri="{C3380CC4-5D6E-409C-BE32-E72D297353CC}">
-              <c16:uniqueId val="{00000008-DD8B-4E58-90AD-4FAF223E1A89}"/>
+              <c16:uniqueId val="{00000008-D483-4A97-A6D0-CF00D8E524E8}"/>
             </c:ext>
           </c:extLst>
         </c:ser>
@@ -6616,104 +6596,104 @@
                 <c:formatCode>General</c:formatCode>
                 <c:ptCount val="31"/>
                 <c:pt idx="0">
-                  <c:v>4907018000</c:v>
+                  <c:v>358305000</c:v>
                 </c:pt>
                 <c:pt idx="1">
-                  <c:v>1324107000</c:v>
+                  <c:v>180225000</c:v>
                 </c:pt>
                 <c:pt idx="2">
-                  <c:v>8009663000</c:v>
+                  <c:v>1820157000</c:v>
                 </c:pt>
                 <c:pt idx="3">
-                  <c:v>5825441000</c:v>
+                  <c:v>1728614000</c:v>
                 </c:pt>
                 <c:pt idx="4">
-                  <c:v>488037000</c:v>
+                  <c:v>83803000</c:v>
                 </c:pt>
                 <c:pt idx="5">
-                  <c:v>43964890</c:v>
+                  <c:v>19710370</c:v>
                 </c:pt>
                 <c:pt idx="6">
-                  <c:v>242939000</c:v>
+                  <c:v>55916000</c:v>
                 </c:pt>
                 <c:pt idx="7">
-                  <c:v>636513000</c:v>
+                  <c:v>186989000</c:v>
                 </c:pt>
                 <c:pt idx="8">
-                  <c:v>2176461000</c:v>
+                  <c:v>966269000</c:v>
                 </c:pt>
                 <c:pt idx="9">
-                  <c:v>876232000</c:v>
+                  <c:v>148943000</c:v>
                 </c:pt>
                 <c:pt idx="10">
                   <c:v>0</c:v>
                 </c:pt>
                 <c:pt idx="11">
-                  <c:v>58889959</c:v>
+                  <c:v>541016</c:v>
                 </c:pt>
                 <c:pt idx="12">
-                  <c:v>112229849</c:v>
+                  <c:v>68088737</c:v>
                 </c:pt>
                 <c:pt idx="13">
-                  <c:v>474850000</c:v>
+                  <c:v>57905000</c:v>
                 </c:pt>
                 <c:pt idx="14">
-                  <c:v>1025826000</c:v>
+                  <c:v>95474000</c:v>
                 </c:pt>
                 <c:pt idx="15">
-                  <c:v>91536000</c:v>
+                  <c:v>48273000</c:v>
                 </c:pt>
                 <c:pt idx="16">
-                  <c:v>152613000</c:v>
+                  <c:v>114005000</c:v>
                 </c:pt>
                 <c:pt idx="17">
-                  <c:v>165593000</c:v>
+                  <c:v>73418000</c:v>
                 </c:pt>
                 <c:pt idx="18">
-                  <c:v>1518876266</c:v>
+                  <c:v>1034065831</c:v>
                 </c:pt>
                 <c:pt idx="19">
-                  <c:v>716020413</c:v>
+                  <c:v>273170929</c:v>
                 </c:pt>
                 <c:pt idx="20">
-                  <c:v>202062000</c:v>
+                  <c:v>121168000</c:v>
                 </c:pt>
                 <c:pt idx="21">
-                  <c:v>493410579</c:v>
+                  <c:v>141741448</c:v>
                 </c:pt>
                 <c:pt idx="22">
-                  <c:v>548339499</c:v>
+                  <c:v>81536782</c:v>
                 </c:pt>
                 <c:pt idx="23">
-                  <c:v>331206667</c:v>
+                  <c:v>65740362</c:v>
                 </c:pt>
                 <c:pt idx="24">
                   <c:v>9729476</c:v>
                 </c:pt>
                 <c:pt idx="25">
-                  <c:v>231295000</c:v>
+                  <c:v>95300000</c:v>
                 </c:pt>
                 <c:pt idx="26">
-                  <c:v>824016000</c:v>
+                  <c:v>76976000</c:v>
                 </c:pt>
                 <c:pt idx="27">
-                  <c:v>54261364</c:v>
+                  <c:v>33060645</c:v>
                 </c:pt>
                 <c:pt idx="28">
-                  <c:v>23872532</c:v>
+                  <c:v>931956</c:v>
                 </c:pt>
                 <c:pt idx="29">
-                  <c:v>2965000</c:v>
+                  <c:v>2159000</c:v>
                 </c:pt>
                 <c:pt idx="30">
-                  <c:v>161917685</c:v>
+                  <c:v>46560643</c:v>
                 </c:pt>
               </c:numCache>
             </c:numRef>
           </c:val>
           <c:extLst>
             <c:ext xmlns:c16="http://schemas.microsoft.com/office/drawing/2014/chart" uri="{C3380CC4-5D6E-409C-BE32-E72D297353CC}">
-              <c16:uniqueId val="{00000009-DD8B-4E58-90AD-4FAF223E1A89}"/>
+              <c16:uniqueId val="{00000009-D483-4A97-A6D0-CF00D8E524E8}"/>
             </c:ext>
           </c:extLst>
         </c:ser>
@@ -6851,31 +6831,31 @@
                 <c:formatCode>General</c:formatCode>
                 <c:ptCount val="31"/>
                 <c:pt idx="0">
-                  <c:v>12832385000</c:v>
+                  <c:v>12785846000</c:v>
                 </c:pt>
                 <c:pt idx="1">
                   <c:v>2165219000</c:v>
                 </c:pt>
                 <c:pt idx="2">
-                  <c:v>17836465000</c:v>
+                  <c:v>17510144000</c:v>
                 </c:pt>
                 <c:pt idx="3">
-                  <c:v>24118346000</c:v>
+                  <c:v>23886651000</c:v>
                 </c:pt>
                 <c:pt idx="4">
                   <c:v>290400000</c:v>
                 </c:pt>
                 <c:pt idx="5">
-                  <c:v>1225105960</c:v>
+                  <c:v>1225078312</c:v>
                 </c:pt>
                 <c:pt idx="6">
                   <c:v>1066998000</c:v>
                 </c:pt>
                 <c:pt idx="7">
-                  <c:v>2712118000</c:v>
+                  <c:v>2711591000</c:v>
                 </c:pt>
                 <c:pt idx="8">
-                  <c:v>12527014000</c:v>
+                  <c:v>12599144000</c:v>
                 </c:pt>
                 <c:pt idx="9">
                   <c:v>2690670000</c:v>
@@ -6887,25 +6867,25 @@
                   <c:v>285616466</c:v>
                 </c:pt>
                 <c:pt idx="12">
-                  <c:v>4931766821</c:v>
+                  <c:v>4928640972</c:v>
                 </c:pt>
                 <c:pt idx="13">
-                  <c:v>7223018000</c:v>
+                  <c:v>7238792000</c:v>
                 </c:pt>
                 <c:pt idx="14">
-                  <c:v>2173426000</c:v>
+                  <c:v>2135538000</c:v>
                 </c:pt>
                 <c:pt idx="15">
-                  <c:v>199955000</c:v>
+                  <c:v>200326000</c:v>
                 </c:pt>
                 <c:pt idx="16">
                   <c:v>92855000</c:v>
                 </c:pt>
                 <c:pt idx="17">
-                  <c:v>697863000</c:v>
+                  <c:v>695211000</c:v>
                 </c:pt>
                 <c:pt idx="18">
-                  <c:v>5686751208</c:v>
+                  <c:v>5650389253</c:v>
                 </c:pt>
                 <c:pt idx="19">
                   <c:v>3091540366</c:v>
@@ -6917,10 +6897,10 @@
                   <c:v>623092318</c:v>
                 </c:pt>
                 <c:pt idx="22">
-                  <c:v>787443143</c:v>
+                  <c:v>785588978</c:v>
                 </c:pt>
                 <c:pt idx="23">
-                  <c:v>583526433</c:v>
+                  <c:v>562553430</c:v>
                 </c:pt>
                 <c:pt idx="24">
                   <c:v>70120644</c:v>
@@ -6929,10 +6909,10 @@
                   <c:v>312289000</c:v>
                 </c:pt>
                 <c:pt idx="26">
-                  <c:v>669644000</c:v>
+                  <c:v>669524000</c:v>
                 </c:pt>
                 <c:pt idx="27">
-                  <c:v>223943800</c:v>
+                  <c:v>224118151</c:v>
                 </c:pt>
                 <c:pt idx="28">
                   <c:v>48602650</c:v>
@@ -6948,7 +6928,7 @@
           </c:val>
           <c:extLst>
             <c:ext xmlns:c16="http://schemas.microsoft.com/office/drawing/2014/chart" uri="{C3380CC4-5D6E-409C-BE32-E72D297353CC}">
-              <c16:uniqueId val="{0000000A-DD8B-4E58-90AD-4FAF223E1A89}"/>
+              <c16:uniqueId val="{0000000A-D483-4A97-A6D0-CF00D8E524E8}"/>
             </c:ext>
           </c:extLst>
         </c:ser>
@@ -7086,104 +7066,104 @@
                 <c:formatCode>General</c:formatCode>
                 <c:ptCount val="31"/>
                 <c:pt idx="0">
-                  <c:v>1521725000</c:v>
+                  <c:v>1866349000</c:v>
                 </c:pt>
                 <c:pt idx="1">
-                  <c:v>237909000</c:v>
+                  <c:v>680238000</c:v>
                 </c:pt>
                 <c:pt idx="2">
-                  <c:v>3016911000</c:v>
+                  <c:v>1679993000</c:v>
                 </c:pt>
                 <c:pt idx="3">
-                  <c:v>13141934000</c:v>
+                  <c:v>12986536000</c:v>
                 </c:pt>
                 <c:pt idx="4">
-                  <c:v>143435000</c:v>
+                  <c:v>314998000</c:v>
                 </c:pt>
                 <c:pt idx="5">
-                  <c:v>429642727</c:v>
+                  <c:v>409206674</c:v>
                 </c:pt>
                 <c:pt idx="6">
-                  <c:v>171720000</c:v>
+                  <c:v>226570000</c:v>
                 </c:pt>
                 <c:pt idx="7">
-                  <c:v>1524349000</c:v>
+                  <c:v>1690401000</c:v>
                 </c:pt>
                 <c:pt idx="8">
-                  <c:v>2352669000</c:v>
+                  <c:v>4517581000</c:v>
                 </c:pt>
                 <c:pt idx="9">
-                  <c:v>414332000</c:v>
+                  <c:v>634565000</c:v>
                 </c:pt>
                 <c:pt idx="10">
                   <c:v>0</c:v>
                 </c:pt>
                 <c:pt idx="11">
-                  <c:v>0</c:v>
+                  <c:v>403753852</c:v>
                 </c:pt>
                 <c:pt idx="12">
-                  <c:v>74321968</c:v>
+                  <c:v>1506888612</c:v>
                 </c:pt>
                 <c:pt idx="13">
-                  <c:v>187645000</c:v>
+                  <c:v>481286000</c:v>
                 </c:pt>
                 <c:pt idx="14">
-                  <c:v>903385000</c:v>
+                  <c:v>997196000</c:v>
                 </c:pt>
                 <c:pt idx="15">
-                  <c:v>86210000</c:v>
+                  <c:v>553854000</c:v>
                 </c:pt>
                 <c:pt idx="16">
-                  <c:v>0</c:v>
+                  <c:v>14344000</c:v>
                 </c:pt>
                 <c:pt idx="17">
-                  <c:v>253081000</c:v>
+                  <c:v>594662000</c:v>
                 </c:pt>
                 <c:pt idx="18">
-                  <c:v>642016514</c:v>
+                  <c:v>1258563849</c:v>
                 </c:pt>
                 <c:pt idx="19">
-                  <c:v>992084942</c:v>
+                  <c:v>805283288</c:v>
                 </c:pt>
                 <c:pt idx="20">
-                  <c:v>32168000</c:v>
+                  <c:v>103624000</c:v>
                 </c:pt>
                 <c:pt idx="21">
-                  <c:v>93959647</c:v>
+                  <c:v>148981151</c:v>
                 </c:pt>
                 <c:pt idx="22">
-                  <c:v>534334608</c:v>
+                  <c:v>1621501207</c:v>
                 </c:pt>
                 <c:pt idx="23">
-                  <c:v>117068719</c:v>
+                  <c:v>592772264</c:v>
                 </c:pt>
                 <c:pt idx="24">
-                  <c:v>15078006</c:v>
+                  <c:v>70783235</c:v>
                 </c:pt>
                 <c:pt idx="25">
-                  <c:v>4413000</c:v>
+                  <c:v>43168000</c:v>
                 </c:pt>
                 <c:pt idx="26">
-                  <c:v>186045000</c:v>
+                  <c:v>163847000</c:v>
                 </c:pt>
                 <c:pt idx="27">
-                  <c:v>28625698</c:v>
+                  <c:v>144611242</c:v>
                 </c:pt>
                 <c:pt idx="28">
-                  <c:v>2307829</c:v>
+                  <c:v>167945066</c:v>
                 </c:pt>
                 <c:pt idx="29">
-                  <c:v>0</c:v>
+                  <c:v>962000</c:v>
                 </c:pt>
                 <c:pt idx="30">
-                  <c:v>47192968</c:v>
+                  <c:v>246457780</c:v>
                 </c:pt>
               </c:numCache>
             </c:numRef>
           </c:val>
           <c:extLst>
             <c:ext xmlns:c16="http://schemas.microsoft.com/office/drawing/2014/chart" uri="{C3380CC4-5D6E-409C-BE32-E72D297353CC}">
-              <c16:uniqueId val="{0000000B-DD8B-4E58-90AD-4FAF223E1A89}"/>
+              <c16:uniqueId val="{0000000B-D483-4A97-A6D0-CF00D8E524E8}"/>
             </c:ext>
           </c:extLst>
         </c:ser>
@@ -7322,104 +7302,104 @@
                 <c:formatCode>General</c:formatCode>
                 <c:ptCount val="31"/>
                 <c:pt idx="0">
-                  <c:v>9768952000</c:v>
+                  <c:v>8327303000</c:v>
                 </c:pt>
                 <c:pt idx="1">
-                  <c:v>1793179000</c:v>
+                  <c:v>1663767000</c:v>
                 </c:pt>
                 <c:pt idx="2">
-                  <c:v>13810958000</c:v>
+                  <c:v>13125455000</c:v>
                 </c:pt>
                 <c:pt idx="3">
-                  <c:v>19804015000</c:v>
+                  <c:v>17767993000</c:v>
                 </c:pt>
                 <c:pt idx="4">
-                  <c:v>977345000</c:v>
+                  <c:v>932527000</c:v>
                 </c:pt>
                 <c:pt idx="5">
-                  <c:v>2247624177</c:v>
+                  <c:v>1968038892</c:v>
                 </c:pt>
                 <c:pt idx="6">
-                  <c:v>397620000</c:v>
+                  <c:v>342325000</c:v>
                 </c:pt>
                 <c:pt idx="7">
-                  <c:v>2055192000</c:v>
+                  <c:v>1553436000</c:v>
                 </c:pt>
                 <c:pt idx="8">
-                  <c:v>10243490000</c:v>
+                  <c:v>9486254000</c:v>
                 </c:pt>
                 <c:pt idx="9">
-                  <c:v>2031010000</c:v>
+                  <c:v>1528365000</c:v>
                 </c:pt>
                 <c:pt idx="10">
                   <c:v>0</c:v>
                 </c:pt>
                 <c:pt idx="11">
-                  <c:v>247716373</c:v>
+                  <c:v>180801066</c:v>
                 </c:pt>
                 <c:pt idx="12">
                   <c:v>2596417830</c:v>
                 </c:pt>
                 <c:pt idx="13">
-                  <c:v>4972148000</c:v>
+                  <c:v>4735066000</c:v>
                 </c:pt>
                 <c:pt idx="14">
-                  <c:v>4244196000</c:v>
+                  <c:v>3687563000</c:v>
                 </c:pt>
                 <c:pt idx="15">
-                  <c:v>1841001000</c:v>
+                  <c:v>1462076000</c:v>
                 </c:pt>
                 <c:pt idx="16">
-                  <c:v>1476740000</c:v>
+                  <c:v>1053279000</c:v>
                 </c:pt>
                 <c:pt idx="17">
-                  <c:v>3207882000</c:v>
+                  <c:v>2380803000</c:v>
                 </c:pt>
                 <c:pt idx="18">
-                  <c:v>8880399826</c:v>
+                  <c:v>7834490314</c:v>
                 </c:pt>
                 <c:pt idx="19">
-                  <c:v>2235590566</c:v>
+                  <c:v>1928481335</c:v>
                 </c:pt>
                 <c:pt idx="20">
-                  <c:v>628450000</c:v>
+                  <c:v>572855000</c:v>
                 </c:pt>
                 <c:pt idx="21">
-                  <c:v>642029623</c:v>
+                  <c:v>529720257</c:v>
                 </c:pt>
                 <c:pt idx="22">
-                  <c:v>3274234946</c:v>
+                  <c:v>2494248288</c:v>
                 </c:pt>
                 <c:pt idx="23">
-                  <c:v>445715312</c:v>
+                  <c:v>381124350</c:v>
                 </c:pt>
                 <c:pt idx="24">
-                  <c:v>39219007</c:v>
+                  <c:v>38507775</c:v>
                 </c:pt>
                 <c:pt idx="25">
-                  <c:v>428951000</c:v>
+                  <c:v>325161000</c:v>
                 </c:pt>
                 <c:pt idx="26">
-                  <c:v>1017612000</c:v>
+                  <c:v>884031000</c:v>
                 </c:pt>
                 <c:pt idx="27">
-                  <c:v>692980988</c:v>
+                  <c:v>538901645</c:v>
                 </c:pt>
                 <c:pt idx="28">
-                  <c:v>91068296</c:v>
+                  <c:v>11211202</c:v>
                 </c:pt>
                 <c:pt idx="29">
-                  <c:v>44705000</c:v>
+                  <c:v>26314000</c:v>
                 </c:pt>
                 <c:pt idx="30">
-                  <c:v>455617910</c:v>
+                  <c:v>353915309</c:v>
                 </c:pt>
               </c:numCache>
             </c:numRef>
           </c:val>
           <c:extLst>
             <c:ext xmlns:c16="http://schemas.microsoft.com/office/drawing/2014/chart" uri="{C3380CC4-5D6E-409C-BE32-E72D297353CC}">
-              <c16:uniqueId val="{0000000C-DD8B-4E58-90AD-4FAF223E1A89}"/>
+              <c16:uniqueId val="{0000000C-D483-4A97-A6D0-CF00D8E524E8}"/>
             </c:ext>
           </c:extLst>
         </c:ser>
@@ -7557,105 +7537,105 @@
               <c:numCache>
                 <c:formatCode>General</c:formatCode>
                 <c:ptCount val="31"/>
-                <c:pt idx="0" formatCode="0.00E+00">
-                  <c:v>177000000000</c:v>
+                <c:pt idx="0">
+                  <c:v>110783413000</c:v>
                 </c:pt>
                 <c:pt idx="1">
-                  <c:v>45048831000</c:v>
-                </c:pt>
-                <c:pt idx="2" formatCode="0.00E+00">
-                  <c:v>334000000000</c:v>
-                </c:pt>
-                <c:pt idx="3" formatCode="0.00E+00">
-                  <c:v>233000000000</c:v>
+                  <c:v>27485135000</c:v>
+                </c:pt>
+                <c:pt idx="2">
+                  <c:v>233888363000</c:v>
+                </c:pt>
+                <c:pt idx="3">
+                  <c:v>135676497000</c:v>
                 </c:pt>
                 <c:pt idx="4">
-                  <c:v>44549209000</c:v>
+                  <c:v>38167655000</c:v>
                 </c:pt>
                 <c:pt idx="5">
-                  <c:v>34210397115</c:v>
+                  <c:v>26460747951</c:v>
                 </c:pt>
                 <c:pt idx="6">
-                  <c:v>10918524000</c:v>
+                  <c:v>6320671000</c:v>
                 </c:pt>
                 <c:pt idx="7">
-                  <c:v>20006935000</c:v>
-                </c:pt>
-                <c:pt idx="8" formatCode="0.00E+00">
-                  <c:v>131000000000</c:v>
+                  <c:v>14116757000</c:v>
+                </c:pt>
+                <c:pt idx="8">
+                  <c:v>72271534000</c:v>
                 </c:pt>
                 <c:pt idx="9">
-                  <c:v>57699909000</c:v>
+                  <c:v>35314670000</c:v>
                 </c:pt>
                 <c:pt idx="10">
-                  <c:v>209545182</c:v>
+                  <c:v>208731026</c:v>
                 </c:pt>
                 <c:pt idx="11">
-                  <c:v>15351070743</c:v>
+                  <c:v>7494597017</c:v>
                 </c:pt>
                 <c:pt idx="12">
-                  <c:v>38748398699</c:v>
+                  <c:v>31748884293</c:v>
                 </c:pt>
                 <c:pt idx="13">
-                  <c:v>24352550000</c:v>
+                  <c:v>16600432000</c:v>
                 </c:pt>
                 <c:pt idx="14">
-                  <c:v>23089171000</c:v>
+                  <c:v>17406214000</c:v>
                 </c:pt>
                 <c:pt idx="15">
-                  <c:v>4104403000</c:v>
+                  <c:v>2652012000</c:v>
                 </c:pt>
                 <c:pt idx="16">
-                  <c:v>580007000</c:v>
+                  <c:v>364353000</c:v>
                 </c:pt>
                 <c:pt idx="17">
-                  <c:v>7754142000</c:v>
+                  <c:v>4592341000</c:v>
                 </c:pt>
                 <c:pt idx="18">
-                  <c:v>69606102599</c:v>
+                  <c:v>39366071996</c:v>
                 </c:pt>
                 <c:pt idx="19">
-                  <c:v>48352477171</c:v>
+                  <c:v>40532955626</c:v>
                 </c:pt>
                 <c:pt idx="20">
-                  <c:v>15980169000</c:v>
+                  <c:v>13053647000</c:v>
                 </c:pt>
                 <c:pt idx="21">
-                  <c:v>38500650630</c:v>
+                  <c:v>22068860384</c:v>
                 </c:pt>
                 <c:pt idx="22">
-                  <c:v>23586359804</c:v>
+                  <c:v>15018890572</c:v>
                 </c:pt>
                 <c:pt idx="23">
-                  <c:v>6040785868</c:v>
+                  <c:v>3134094492</c:v>
                 </c:pt>
                 <c:pt idx="24">
-                  <c:v>342819732</c:v>
+                  <c:v>244047878</c:v>
                 </c:pt>
                 <c:pt idx="25">
-                  <c:v>1905128000</c:v>
+                  <c:v>1422792000</c:v>
                 </c:pt>
                 <c:pt idx="26">
-                  <c:v>6091874000</c:v>
+                  <c:v>4495793000</c:v>
                 </c:pt>
                 <c:pt idx="27">
-                  <c:v>3269614952</c:v>
+                  <c:v>1972765020</c:v>
                 </c:pt>
                 <c:pt idx="28">
-                  <c:v>1213578067</c:v>
+                  <c:v>384154249</c:v>
                 </c:pt>
                 <c:pt idx="29">
-                  <c:v>211811000</c:v>
+                  <c:v>136826000</c:v>
                 </c:pt>
                 <c:pt idx="30">
-                  <c:v>8067515077</c:v>
+                  <c:v>3455185420</c:v>
                 </c:pt>
               </c:numCache>
             </c:numRef>
           </c:val>
           <c:extLst>
             <c:ext xmlns:c16="http://schemas.microsoft.com/office/drawing/2014/chart" uri="{C3380CC4-5D6E-409C-BE32-E72D297353CC}">
-              <c16:uniqueId val="{0000000D-DD8B-4E58-90AD-4FAF223E1A89}"/>
+              <c16:uniqueId val="{0000000D-D483-4A97-A6D0-CF00D8E524E8}"/>
             </c:ext>
           </c:extLst>
         </c:ser>
@@ -7793,10 +7773,10 @@
         <c:manualLayout>
           <c:xMode val="edge"/>
           <c:yMode val="edge"/>
-          <c:x val="1.9571060096886896E-2"/>
-          <c:y val="0.81726140615401799"/>
-          <c:w val="0.97247249988542783"/>
-          <c:h val="0.16944072150555647"/>
+          <c:x val="1.2469109630526951E-2"/>
+          <c:y val="0.70502549123214653"/>
+          <c:w val="0.98660024227740761"/>
+          <c:h val="0.28130263201569572"/>
         </c:manualLayout>
       </c:layout>
       <c:overlay val="0"/>
@@ -10762,7 +10742,7 @@
           <a:p>
             <a:fld id="{0F14108E-E9D4-467B-9B7B-0955BA4B5DD6}" type="datetimeFigureOut">
               <a:rPr lang="en-US" smtClean="0"/>
-              <a:t>4/26/2025</a:t>
+              <a:t>4/27/2025</a:t>
             </a:fld>
             <a:endParaRPr lang="en-US"/>
           </a:p>
@@ -12695,7 +12675,7 @@
             <a:fld id="{0C1C07C7-5269-4ABF-88CE-7C4B9569CDB4}" type="datetime1">
               <a:rPr lang="en-US" sz="1200" smtClean="0"/>
               <a:pPr/>
-              <a:t>4/26/2025</a:t>
+              <a:t>4/27/2025</a:t>
             </a:fld>
             <a:endParaRPr lang="en-US" sz="1200" dirty="0"/>
           </a:p>
@@ -17760,7 +17740,7 @@
       </p:sp>
       <p:graphicFrame>
         <p:nvGraphicFramePr>
-          <p:cNvPr id="5" name="グラフ 4">
+          <p:cNvPr id="2" name="グラフ 1">
             <a:extLst>
               <a:ext uri="{FF2B5EF4-FFF2-40B4-BE49-F238E27FC236}">
                 <a16:creationId xmlns:a16="http://schemas.microsoft.com/office/drawing/2014/main" id="{D81E3CFD-C42F-A719-FE73-CFAFBC73C3DA}"/>
@@ -17773,14 +17753,14 @@
           <p:nvPr>
             <p:extLst>
               <p:ext uri="{D42A27DB-BD31-4B8C-83A1-F6EECF244321}">
-                <p14:modId xmlns:p14="http://schemas.microsoft.com/office/powerpoint/2010/main" val="3299625881"/>
+                <p14:modId xmlns:p14="http://schemas.microsoft.com/office/powerpoint/2010/main" val="1483016779"/>
               </p:ext>
             </p:extLst>
           </p:nvPr>
         </p:nvGraphicFramePr>
         <p:xfrm>
-          <a:off x="35560" y="836287"/>
-          <a:ext cx="9839959" cy="5688578"/>
+          <a:off x="0" y="883637"/>
+          <a:ext cx="9906000" cy="5560706"/>
         </p:xfrm>
         <a:graphic>
           <a:graphicData uri="http://schemas.openxmlformats.org/drawingml/2006/chart">
@@ -17854,7 +17834,7 @@
       </p:sp>
       <p:graphicFrame>
         <p:nvGraphicFramePr>
-          <p:cNvPr id="2" name="グラフ 1">
+          <p:cNvPr id="4" name="グラフ 3">
             <a:extLst>
               <a:ext uri="{FF2B5EF4-FFF2-40B4-BE49-F238E27FC236}">
                 <a16:creationId xmlns:a16="http://schemas.microsoft.com/office/drawing/2014/main" id="{093F89EC-4F36-2535-FBAD-03CD5A2306A9}"/>
@@ -17867,14 +17847,14 @@
           <p:nvPr>
             <p:extLst>
               <p:ext uri="{D42A27DB-BD31-4B8C-83A1-F6EECF244321}">
-                <p14:modId xmlns:p14="http://schemas.microsoft.com/office/powerpoint/2010/main" val="612140451"/>
+                <p14:modId xmlns:p14="http://schemas.microsoft.com/office/powerpoint/2010/main" val="779885121"/>
               </p:ext>
             </p:extLst>
           </p:nvPr>
         </p:nvGraphicFramePr>
         <p:xfrm>
-          <a:off x="32520" y="777240"/>
-          <a:ext cx="9840959" cy="5730240"/>
+          <a:off x="0" y="841829"/>
+          <a:ext cx="9906000" cy="5573485"/>
         </p:xfrm>
         <a:graphic>
           <a:graphicData uri="http://schemas.openxmlformats.org/drawingml/2006/chart">
@@ -20755,6 +20735,15 @@
 </file>
 
 <file path=customXml/item1.xml><?xml version="1.0" encoding="utf-8"?>
+<?mso-contentType ?>
+<FormTemplates xmlns="http://schemas.microsoft.com/sharepoint/v3/contenttype/forms">
+  <Display>DocumentLibraryForm</Display>
+  <Edit>DocumentLibraryForm</Edit>
+  <New>DocumentLibraryForm</New>
+</FormTemplates>
+</file>
+
+<file path=customXml/item2.xml><?xml version="1.0" encoding="utf-8"?>
 <p:properties xmlns:p="http://schemas.microsoft.com/office/2006/metadata/properties" xmlns:xsi="http://www.w3.org/2001/XMLSchema-instance" xmlns:pc="http://schemas.microsoft.com/office/infopath/2007/PartnerControls">
   <documentManagement>
     <lcf76f155ced4ddcb4097134ff3c332f xmlns="2011c0e9-3633-4c68-9cbe-a638a9c53794">
@@ -20763,15 +20752,6 @@
     <TaxCatchAll xmlns="2d38cf78-3d67-4683-a622-6f578eb767ed" xsi:nil="true"/>
   </documentManagement>
 </p:properties>
-</file>
-
-<file path=customXml/item2.xml><?xml version="1.0" encoding="utf-8"?>
-<?mso-contentType ?>
-<FormTemplates xmlns="http://schemas.microsoft.com/sharepoint/v3/contenttype/forms">
-  <Display>DocumentLibraryForm</Display>
-  <Edit>DocumentLibraryForm</Edit>
-  <New>DocumentLibraryForm</New>
-</FormTemplates>
 </file>
 
 <file path=customXml/item3.xml><?xml version="1.0" encoding="utf-8"?>
@@ -21018,20 +20998,20 @@
 </file>
 
 <file path=customXml/itemProps1.xml><?xml version="1.0" encoding="utf-8"?>
+<ds:datastoreItem xmlns:ds="http://schemas.openxmlformats.org/officeDocument/2006/customXml" ds:itemID="{2FEEBEFA-ECD9-421D-AA2E-AB6355E9F00F}">
+  <ds:schemaRefs>
+    <ds:schemaRef ds:uri="http://schemas.microsoft.com/sharepoint/v3/contenttype/forms"/>
+  </ds:schemaRefs>
+</ds:datastoreItem>
+</file>
+
+<file path=customXml/itemProps2.xml><?xml version="1.0" encoding="utf-8"?>
 <ds:datastoreItem xmlns:ds="http://schemas.openxmlformats.org/officeDocument/2006/customXml" ds:itemID="{BCF7B7CA-1DA5-4ED8-B94D-6A9E3BB001E8}">
   <ds:schemaRefs>
     <ds:schemaRef ds:uri="http://schemas.microsoft.com/office/2006/metadata/properties"/>
     <ds:schemaRef ds:uri="http://schemas.microsoft.com/office/infopath/2007/PartnerControls"/>
     <ds:schemaRef ds:uri="2011c0e9-3633-4c68-9cbe-a638a9c53794"/>
     <ds:schemaRef ds:uri="2d38cf78-3d67-4683-a622-6f578eb767ed"/>
-  </ds:schemaRefs>
-</ds:datastoreItem>
-</file>
-
-<file path=customXml/itemProps2.xml><?xml version="1.0" encoding="utf-8"?>
-<ds:datastoreItem xmlns:ds="http://schemas.openxmlformats.org/officeDocument/2006/customXml" ds:itemID="{2FEEBEFA-ECD9-421D-AA2E-AB6355E9F00F}">
-  <ds:schemaRefs>
-    <ds:schemaRef ds:uri="http://schemas.microsoft.com/sharepoint/v3/contenttype/forms"/>
   </ds:schemaRefs>
 </ds:datastoreItem>
 </file>
